--- a/benchmark.pptx
+++ b/benchmark.pptx
@@ -2,16 +2,16 @@
 <file path=ppt/presentation.xml><?xml version="1.0" encoding="utf-8"?>
 <p:presentation xmlns:a="http://schemas.openxmlformats.org/drawingml/2006/main" xmlns:r="http://schemas.openxmlformats.org/officeDocument/2006/relationships" xmlns:p="http://schemas.openxmlformats.org/presentationml/2006/main">
   <p:sldMasterIdLst>
-    <p:sldMasterId id="2147483648" r:id="rId5"/>
+    <p:sldMasterId id="2147483648" r:id="rId1"/>
   </p:sldMasterIdLst>
   <p:notesMasterIdLst>
-    <p:notesMasterId r:id="rId7"/>
+    <p:notesMasterId r:id="rId6"/>
   </p:notesMasterIdLst>
   <p:sldIdLst>
-    <p:sldId id="256" r:id="rId8"/>
-    <p:sldId id="257" r:id="rId9"/>
-    <p:sldId id="258" r:id="rId10"/>
-    <p:sldId id="259" r:id="rId11"/>
+    <p:sldId id="256" r:id="rId2"/>
+    <p:sldId id="257" r:id="rId3"/>
+    <p:sldId id="258" r:id="rId4"/>
+    <p:sldId id="259" r:id="rId5"/>
   </p:sldIdLst>
   <p:sldSz cx="13004800" cy="9753600"/>
   <p:notesSz cx="6858000" cy="9144000"/>
@@ -31,7 +31,7 @@
       <a:buFontTx/>
       <a:buNone/>
       <a:tabLst/>
-      <a:defRPr b="0" baseline="0" cap="none" i="0" spc="0" strike="noStrike" sz="1800" u="none" kumimoji="0" normalizeH="0">
+      <a:defRPr kumimoji="0" sz="1800" b="0" i="0" u="none" strike="noStrike" cap="none" spc="0" normalizeH="0" baseline="0">
         <a:ln>
           <a:noFill/>
         </a:ln>
@@ -57,7 +57,7 @@
       <a:buFontTx/>
       <a:buNone/>
       <a:tabLst/>
-      <a:defRPr b="0" baseline="0" cap="none" i="0" spc="0" strike="noStrike" sz="3600" u="none" kumimoji="0" normalizeH="0">
+      <a:defRPr kumimoji="0" sz="3600" b="0" i="0" u="none" strike="noStrike" cap="none" spc="0" normalizeH="0" baseline="0">
         <a:ln>
           <a:noFill/>
         </a:ln>
@@ -87,7 +87,7 @@
       <a:buFontTx/>
       <a:buNone/>
       <a:tabLst/>
-      <a:defRPr b="0" baseline="0" cap="none" i="0" spc="0" strike="noStrike" sz="3600" u="none" kumimoji="0" normalizeH="0">
+      <a:defRPr kumimoji="0" sz="3600" b="0" i="0" u="none" strike="noStrike" cap="none" spc="0" normalizeH="0" baseline="0">
         <a:ln>
           <a:noFill/>
         </a:ln>
@@ -117,7 +117,7 @@
       <a:buFontTx/>
       <a:buNone/>
       <a:tabLst/>
-      <a:defRPr b="0" baseline="0" cap="none" i="0" spc="0" strike="noStrike" sz="3600" u="none" kumimoji="0" normalizeH="0">
+      <a:defRPr kumimoji="0" sz="3600" b="0" i="0" u="none" strike="noStrike" cap="none" spc="0" normalizeH="0" baseline="0">
         <a:ln>
           <a:noFill/>
         </a:ln>
@@ -147,7 +147,7 @@
       <a:buFontTx/>
       <a:buNone/>
       <a:tabLst/>
-      <a:defRPr b="0" baseline="0" cap="none" i="0" spc="0" strike="noStrike" sz="3600" u="none" kumimoji="0" normalizeH="0">
+      <a:defRPr kumimoji="0" sz="3600" b="0" i="0" u="none" strike="noStrike" cap="none" spc="0" normalizeH="0" baseline="0">
         <a:ln>
           <a:noFill/>
         </a:ln>
@@ -177,7 +177,7 @@
       <a:buFontTx/>
       <a:buNone/>
       <a:tabLst/>
-      <a:defRPr b="0" baseline="0" cap="none" i="0" spc="0" strike="noStrike" sz="3600" u="none" kumimoji="0" normalizeH="0">
+      <a:defRPr kumimoji="0" sz="3600" b="0" i="0" u="none" strike="noStrike" cap="none" spc="0" normalizeH="0" baseline="0">
         <a:ln>
           <a:noFill/>
         </a:ln>
@@ -207,7 +207,7 @@
       <a:buFontTx/>
       <a:buNone/>
       <a:tabLst/>
-      <a:defRPr b="0" baseline="0" cap="none" i="0" spc="0" strike="noStrike" sz="3600" u="none" kumimoji="0" normalizeH="0">
+      <a:defRPr kumimoji="0" sz="3600" b="0" i="0" u="none" strike="noStrike" cap="none" spc="0" normalizeH="0" baseline="0">
         <a:ln>
           <a:noFill/>
         </a:ln>
@@ -237,7 +237,7 @@
       <a:buFontTx/>
       <a:buNone/>
       <a:tabLst/>
-      <a:defRPr b="0" baseline="0" cap="none" i="0" spc="0" strike="noStrike" sz="3600" u="none" kumimoji="0" normalizeH="0">
+      <a:defRPr kumimoji="0" sz="3600" b="0" i="0" u="none" strike="noStrike" cap="none" spc="0" normalizeH="0" baseline="0">
         <a:ln>
           <a:noFill/>
         </a:ln>
@@ -267,7 +267,7 @@
       <a:buFontTx/>
       <a:buNone/>
       <a:tabLst/>
-      <a:defRPr b="0" baseline="0" cap="none" i="0" spc="0" strike="noStrike" sz="3600" u="none" kumimoji="0" normalizeH="0">
+      <a:defRPr kumimoji="0" sz="3600" b="0" i="0" u="none" strike="noStrike" cap="none" spc="0" normalizeH="0" baseline="0">
         <a:ln>
           <a:noFill/>
         </a:ln>
@@ -297,7 +297,7 @@
       <a:buFontTx/>
       <a:buNone/>
       <a:tabLst/>
-      <a:defRPr b="0" baseline="0" cap="none" i="0" spc="0" strike="noStrike" sz="3600" u="none" kumimoji="0" normalizeH="0">
+      <a:defRPr kumimoji="0" sz="3600" b="0" i="0" u="none" strike="noStrike" cap="none" spc="0" normalizeH="0" baseline="0">
         <a:ln>
           <a:noFill/>
         </a:ln>
@@ -313,16 +313,22 @@
       </a:defRPr>
     </a:lvl9pPr>
   </p:defaultTextStyle>
+  <p:extLst>
+    <p:ext uri="{EFAFB233-063F-42B5-8137-9DF3F51BA10A}">
+      <p15:sldGuideLst xmlns:p15="http://schemas.microsoft.com/office/powerpoint/2012/main"/>
+    </p:ext>
+  </p:extLst>
 </p:presentation>
-</file>
-
-<file path=ppt/commentAuthors.xml><?xml version="1.0" encoding="utf-8"?>
-<p:cmAuthorLst xmlns:a="http://schemas.openxmlformats.org/drawingml/2006/main" xmlns:r="http://schemas.openxmlformats.org/officeDocument/2006/relationships" xmlns:p="http://schemas.openxmlformats.org/presentationml/2006/main"/>
 </file>
 
 <file path=ppt/notesMasters/notesMaster1.xml><?xml version="1.0" encoding="utf-8"?>
 <p:notesMaster xmlns:a="http://schemas.openxmlformats.org/drawingml/2006/main" xmlns:r="http://schemas.openxmlformats.org/officeDocument/2006/relationships" xmlns:p="http://schemas.openxmlformats.org/presentationml/2006/main">
   <p:cSld>
+    <p:bg>
+      <p:bgRef idx="1001">
+        <a:schemeClr val="bg1"/>
+      </p:bgRef>
+    </p:bg>
     <p:spTree>
       <p:nvGrpSpPr>
         <p:cNvPr id="1" name=""/>
@@ -340,7 +346,9 @@
       <p:sp>
         <p:nvSpPr>
           <p:cNvPr id="116" name="Shape 116"/>
-          <p:cNvSpPr/>
+          <p:cNvSpPr>
+            <a:spLocks noGrp="1" noRot="1" noChangeAspect="1"/>
+          </p:cNvSpPr>
           <p:nvPr>
             <p:ph type="sldImg"/>
           </p:nvPr>
@@ -358,14 +366,16 @@
           <a:bodyPr/>
           <a:lstStyle/>
           <a:p>
-            <a:pPr/>
+            <a:endParaRPr/>
           </a:p>
         </p:txBody>
       </p:sp>
       <p:sp>
         <p:nvSpPr>
           <p:cNvPr id="117" name="Shape 117"/>
-          <p:cNvSpPr/>
+          <p:cNvSpPr>
+            <a:spLocks noGrp="1"/>
+          </p:cNvSpPr>
           <p:nvPr>
             <p:ph type="body" sz="quarter" idx="1"/>
           </p:nvPr>
@@ -383,11 +393,16 @@
           <a:bodyPr/>
           <a:lstStyle/>
           <a:p>
-            <a:pPr/>
+            <a:endParaRPr/>
           </a:p>
         </p:txBody>
       </p:sp>
     </p:spTree>
+    <p:extLst>
+      <p:ext uri="{BB962C8B-B14F-4D97-AF65-F5344CB8AC3E}">
+        <p14:creationId xmlns:p14="http://schemas.microsoft.com/office/powerpoint/2010/main" val="1772320282"/>
+      </p:ext>
+    </p:extLst>
   </p:cSld>
   <p:clrMap bg1="lt1" tx1="dk1" bg2="lt2" tx2="dk2" accent1="accent1" accent2="accent2" accent3="accent3" accent4="accent4" accent5="accent5" accent6="accent6" hlink="hlink" folHlink="folHlink"/>
   <p:notesStyle>
@@ -495,7 +510,7 @@
 </file>
 
 <file path=ppt/slideLayouts/slideLayout1.xml><?xml version="1.0" encoding="utf-8"?>
-<p:sldLayout xmlns:a="http://schemas.openxmlformats.org/drawingml/2006/main" xmlns:r="http://schemas.openxmlformats.org/officeDocument/2006/relationships" xmlns:p="http://schemas.openxmlformats.org/presentationml/2006/main" type="title" showMasterSp="1" showMasterPhAnim="1">
+<p:sldLayout xmlns:a="http://schemas.openxmlformats.org/drawingml/2006/main" xmlns:r="http://schemas.openxmlformats.org/officeDocument/2006/relationships" xmlns:p="http://schemas.openxmlformats.org/presentationml/2006/main" type="title">
   <p:cSld name="Title &amp; Subtitle">
     <p:spTree>
       <p:nvGrpSpPr>
@@ -514,7 +529,9 @@
       <p:sp>
         <p:nvSpPr>
           <p:cNvPr id="11" name="Shape 11"/>
-          <p:cNvSpPr/>
+          <p:cNvSpPr>
+            <a:spLocks noGrp="1"/>
+          </p:cNvSpPr>
           <p:nvPr>
             <p:ph type="title"/>
           </p:nvPr>
@@ -532,7 +549,6 @@
           <a:bodyPr anchor="b"/>
           <a:lstStyle/>
           <a:p>
-            <a:pPr/>
             <a:r>
               <a:t>Title Text</a:t>
             </a:r>
@@ -542,7 +558,9 @@
       <p:sp>
         <p:nvSpPr>
           <p:cNvPr id="12" name="Shape 12"/>
-          <p:cNvSpPr/>
+          <p:cNvSpPr>
+            <a:spLocks noGrp="1"/>
+          </p:cNvSpPr>
           <p:nvPr>
             <p:ph type="body" sz="quarter" idx="1"/>
           </p:nvPr>
@@ -601,7 +619,6 @@
             </a:lvl5pPr>
           </a:lstStyle>
           <a:p>
-            <a:pPr/>
             <a:r>
               <a:t>Body Level One</a:t>
             </a:r>
@@ -635,7 +652,9 @@
       <p:sp>
         <p:nvSpPr>
           <p:cNvPr id="13" name="Shape 13"/>
-          <p:cNvSpPr/>
+          <p:cNvSpPr>
+            <a:spLocks noGrp="1"/>
+          </p:cNvSpPr>
           <p:nvPr>
             <p:ph type="sldNum" sz="quarter" idx="2"/>
           </p:nvPr>
@@ -649,8 +668,10 @@
           <a:bodyPr/>
           <a:lstStyle/>
           <a:p>
-            <a:pPr/>
-            <a:fld id="{86CB4B4D-7CA3-9044-876B-883B54F8677D}" type="slidenum"/>
+            <a:fld id="{86CB4B4D-7CA3-9044-876B-883B54F8677D}" type="slidenum">
+              <a:t>‹#›</a:t>
+            </a:fld>
+            <a:endParaRPr/>
           </a:p>
         </p:txBody>
       </p:sp>
@@ -659,12 +680,12 @@
   <p:clrMapOvr>
     <a:masterClrMapping/>
   </p:clrMapOvr>
-  <p:transition xmlns:p14="http://schemas.microsoft.com/office/powerpoint/2010/main" spd="med" advClick="1"/>
+  <p:transition spd="med"/>
 </p:sldLayout>
 </file>
 
 <file path=ppt/slideLayouts/slideLayout10.xml><?xml version="1.0" encoding="utf-8"?>
-<p:sldLayout xmlns:a="http://schemas.openxmlformats.org/drawingml/2006/main" xmlns:r="http://schemas.openxmlformats.org/officeDocument/2006/relationships" xmlns:p="http://schemas.openxmlformats.org/presentationml/2006/main" type="tx" showMasterSp="1" showMasterPhAnim="1">
+<p:sldLayout xmlns:a="http://schemas.openxmlformats.org/drawingml/2006/main" xmlns:r="http://schemas.openxmlformats.org/officeDocument/2006/relationships" xmlns:p="http://schemas.openxmlformats.org/presentationml/2006/main" type="tx">
   <p:cSld name="Quote">
     <p:spTree>
       <p:nvGrpSpPr>
@@ -683,7 +704,9 @@
       <p:sp>
         <p:nvSpPr>
           <p:cNvPr id="93" name="Shape 93"/>
-          <p:cNvSpPr/>
+          <p:cNvSpPr>
+            <a:spLocks noGrp="1"/>
+          </p:cNvSpPr>
           <p:nvPr>
             <p:ph type="body" sz="quarter" idx="13"/>
           </p:nvPr>
@@ -712,7 +735,6 @@
             </a:lvl1pPr>
           </a:lstStyle>
           <a:p>
-            <a:pPr/>
             <a:r>
               <a:t>–Johnny Appleseed</a:t>
             </a:r>
@@ -722,7 +744,9 @@
       <p:sp>
         <p:nvSpPr>
           <p:cNvPr id="94" name="Shape 94"/>
-          <p:cNvSpPr/>
+          <p:cNvSpPr>
+            <a:spLocks noGrp="1"/>
+          </p:cNvSpPr>
           <p:nvPr>
             <p:ph type="body" sz="quarter" idx="14"/>
           </p:nvPr>
@@ -751,7 +775,6 @@
             </a:lvl1pPr>
           </a:lstStyle>
           <a:p>
-            <a:pPr/>
             <a:r>
               <a:t>“Type a quote here.” </a:t>
             </a:r>
@@ -761,7 +784,9 @@
       <p:sp>
         <p:nvSpPr>
           <p:cNvPr id="95" name="Shape 95"/>
-          <p:cNvSpPr/>
+          <p:cNvSpPr>
+            <a:spLocks noGrp="1"/>
+          </p:cNvSpPr>
           <p:nvPr>
             <p:ph type="sldNum" sz="quarter" idx="2"/>
           </p:nvPr>
@@ -775,8 +800,10 @@
           <a:bodyPr/>
           <a:lstStyle/>
           <a:p>
-            <a:pPr/>
-            <a:fld id="{86CB4B4D-7CA3-9044-876B-883B54F8677D}" type="slidenum"/>
+            <a:fld id="{86CB4B4D-7CA3-9044-876B-883B54F8677D}" type="slidenum">
+              <a:t>‹#›</a:t>
+            </a:fld>
+            <a:endParaRPr/>
           </a:p>
         </p:txBody>
       </p:sp>
@@ -785,12 +812,12 @@
   <p:clrMapOvr>
     <a:masterClrMapping/>
   </p:clrMapOvr>
-  <p:transition xmlns:p14="http://schemas.microsoft.com/office/powerpoint/2010/main" spd="med" advClick="1"/>
+  <p:transition spd="med"/>
 </p:sldLayout>
 </file>
 
 <file path=ppt/slideLayouts/slideLayout11.xml><?xml version="1.0" encoding="utf-8"?>
-<p:sldLayout xmlns:a="http://schemas.openxmlformats.org/drawingml/2006/main" xmlns:r="http://schemas.openxmlformats.org/officeDocument/2006/relationships" xmlns:p="http://schemas.openxmlformats.org/presentationml/2006/main" type="tx" showMasterSp="1" showMasterPhAnim="1">
+<p:sldLayout xmlns:a="http://schemas.openxmlformats.org/drawingml/2006/main" xmlns:r="http://schemas.openxmlformats.org/officeDocument/2006/relationships" xmlns:p="http://schemas.openxmlformats.org/presentationml/2006/main" type="tx">
   <p:cSld name="Photo">
     <p:spTree>
       <p:nvGrpSpPr>
@@ -809,7 +836,9 @@
       <p:sp>
         <p:nvSpPr>
           <p:cNvPr id="102" name="Shape 102"/>
-          <p:cNvSpPr/>
+          <p:cNvSpPr>
+            <a:spLocks noGrp="1"/>
+          </p:cNvSpPr>
           <p:nvPr>
             <p:ph type="pic" idx="13"/>
           </p:nvPr>
@@ -829,14 +858,16 @@
           </a:bodyPr>
           <a:lstStyle/>
           <a:p>
-            <a:pPr/>
+            <a:endParaRPr/>
           </a:p>
         </p:txBody>
       </p:sp>
       <p:sp>
         <p:nvSpPr>
           <p:cNvPr id="103" name="Shape 103"/>
-          <p:cNvSpPr/>
+          <p:cNvSpPr>
+            <a:spLocks noGrp="1"/>
+          </p:cNvSpPr>
           <p:nvPr>
             <p:ph type="sldNum" sz="quarter" idx="2"/>
           </p:nvPr>
@@ -850,8 +881,10 @@
           <a:bodyPr/>
           <a:lstStyle/>
           <a:p>
-            <a:pPr/>
-            <a:fld id="{86CB4B4D-7CA3-9044-876B-883B54F8677D}" type="slidenum"/>
+            <a:fld id="{86CB4B4D-7CA3-9044-876B-883B54F8677D}" type="slidenum">
+              <a:t>‹#›</a:t>
+            </a:fld>
+            <a:endParaRPr/>
           </a:p>
         </p:txBody>
       </p:sp>
@@ -860,12 +893,12 @@
   <p:clrMapOvr>
     <a:masterClrMapping/>
   </p:clrMapOvr>
-  <p:transition xmlns:p14="http://schemas.microsoft.com/office/powerpoint/2010/main" spd="med" advClick="1"/>
+  <p:transition spd="med"/>
 </p:sldLayout>
 </file>
 
 <file path=ppt/slideLayouts/slideLayout12.xml><?xml version="1.0" encoding="utf-8"?>
-<p:sldLayout xmlns:a="http://schemas.openxmlformats.org/drawingml/2006/main" xmlns:r="http://schemas.openxmlformats.org/officeDocument/2006/relationships" xmlns:p="http://schemas.openxmlformats.org/presentationml/2006/main" type="tx" showMasterSp="1" showMasterPhAnim="1">
+<p:sldLayout xmlns:a="http://schemas.openxmlformats.org/drawingml/2006/main" xmlns:r="http://schemas.openxmlformats.org/officeDocument/2006/relationships" xmlns:p="http://schemas.openxmlformats.org/presentationml/2006/main" type="tx">
   <p:cSld name="Blank">
     <p:spTree>
       <p:nvGrpSpPr>
@@ -884,7 +917,9 @@
       <p:sp>
         <p:nvSpPr>
           <p:cNvPr id="110" name="Shape 110"/>
-          <p:cNvSpPr/>
+          <p:cNvSpPr>
+            <a:spLocks noGrp="1"/>
+          </p:cNvSpPr>
           <p:nvPr>
             <p:ph type="sldNum" sz="quarter" idx="2"/>
           </p:nvPr>
@@ -898,8 +933,10 @@
           <a:bodyPr/>
           <a:lstStyle/>
           <a:p>
-            <a:pPr/>
-            <a:fld id="{86CB4B4D-7CA3-9044-876B-883B54F8677D}" type="slidenum"/>
+            <a:fld id="{86CB4B4D-7CA3-9044-876B-883B54F8677D}" type="slidenum">
+              <a:t>‹#›</a:t>
+            </a:fld>
+            <a:endParaRPr/>
           </a:p>
         </p:txBody>
       </p:sp>
@@ -908,12 +945,12 @@
   <p:clrMapOvr>
     <a:masterClrMapping/>
   </p:clrMapOvr>
-  <p:transition xmlns:p14="http://schemas.microsoft.com/office/powerpoint/2010/main" spd="med" advClick="1"/>
+  <p:transition spd="med"/>
 </p:sldLayout>
 </file>
 
 <file path=ppt/slideLayouts/slideLayout2.xml><?xml version="1.0" encoding="utf-8"?>
-<p:sldLayout xmlns:a="http://schemas.openxmlformats.org/drawingml/2006/main" xmlns:r="http://schemas.openxmlformats.org/officeDocument/2006/relationships" xmlns:p="http://schemas.openxmlformats.org/presentationml/2006/main" type="tx" showMasterSp="1" showMasterPhAnim="1">
+<p:sldLayout xmlns:a="http://schemas.openxmlformats.org/drawingml/2006/main" xmlns:r="http://schemas.openxmlformats.org/officeDocument/2006/relationships" xmlns:p="http://schemas.openxmlformats.org/presentationml/2006/main" type="tx">
   <p:cSld name="Photo - Horizontal">
     <p:spTree>
       <p:nvGrpSpPr>
@@ -932,7 +969,9 @@
       <p:sp>
         <p:nvSpPr>
           <p:cNvPr id="20" name="Shape 20"/>
-          <p:cNvSpPr/>
+          <p:cNvSpPr>
+            <a:spLocks noGrp="1"/>
+          </p:cNvSpPr>
           <p:nvPr>
             <p:ph type="pic" idx="13"/>
           </p:nvPr>
@@ -952,14 +991,16 @@
           </a:bodyPr>
           <a:lstStyle/>
           <a:p>
-            <a:pPr/>
+            <a:endParaRPr/>
           </a:p>
         </p:txBody>
       </p:sp>
       <p:sp>
         <p:nvSpPr>
           <p:cNvPr id="21" name="Shape 21"/>
-          <p:cNvSpPr/>
+          <p:cNvSpPr>
+            <a:spLocks noGrp="1"/>
+          </p:cNvSpPr>
           <p:nvPr>
             <p:ph type="title"/>
           </p:nvPr>
@@ -977,7 +1018,6 @@
           <a:bodyPr anchor="b"/>
           <a:lstStyle/>
           <a:p>
-            <a:pPr/>
             <a:r>
               <a:t>Title Text</a:t>
             </a:r>
@@ -987,7 +1027,9 @@
       <p:sp>
         <p:nvSpPr>
           <p:cNvPr id="22" name="Shape 22"/>
-          <p:cNvSpPr/>
+          <p:cNvSpPr>
+            <a:spLocks noGrp="1"/>
+          </p:cNvSpPr>
           <p:nvPr>
             <p:ph type="body" sz="quarter" idx="1"/>
           </p:nvPr>
@@ -1046,7 +1088,6 @@
             </a:lvl5pPr>
           </a:lstStyle>
           <a:p>
-            <a:pPr/>
             <a:r>
               <a:t>Body Level One</a:t>
             </a:r>
@@ -1080,7 +1121,9 @@
       <p:sp>
         <p:nvSpPr>
           <p:cNvPr id="23" name="Shape 23"/>
-          <p:cNvSpPr/>
+          <p:cNvSpPr>
+            <a:spLocks noGrp="1"/>
+          </p:cNvSpPr>
           <p:nvPr>
             <p:ph type="sldNum" sz="quarter" idx="2"/>
           </p:nvPr>
@@ -1098,8 +1141,10 @@
           <a:bodyPr/>
           <a:lstStyle/>
           <a:p>
-            <a:pPr/>
-            <a:fld id="{86CB4B4D-7CA3-9044-876B-883B54F8677D}" type="slidenum"/>
+            <a:fld id="{86CB4B4D-7CA3-9044-876B-883B54F8677D}" type="slidenum">
+              <a:t>‹#›</a:t>
+            </a:fld>
+            <a:endParaRPr/>
           </a:p>
         </p:txBody>
       </p:sp>
@@ -1108,12 +1153,12 @@
   <p:clrMapOvr>
     <a:masterClrMapping/>
   </p:clrMapOvr>
-  <p:transition xmlns:p14="http://schemas.microsoft.com/office/powerpoint/2010/main" spd="med" advClick="1"/>
+  <p:transition spd="med"/>
 </p:sldLayout>
 </file>
 
 <file path=ppt/slideLayouts/slideLayout3.xml><?xml version="1.0" encoding="utf-8"?>
-<p:sldLayout xmlns:a="http://schemas.openxmlformats.org/drawingml/2006/main" xmlns:r="http://schemas.openxmlformats.org/officeDocument/2006/relationships" xmlns:p="http://schemas.openxmlformats.org/presentationml/2006/main" type="tx" showMasterSp="1" showMasterPhAnim="1">
+<p:sldLayout xmlns:a="http://schemas.openxmlformats.org/drawingml/2006/main" xmlns:r="http://schemas.openxmlformats.org/officeDocument/2006/relationships" xmlns:p="http://schemas.openxmlformats.org/presentationml/2006/main" type="tx">
   <p:cSld name="Title - Center">
     <p:spTree>
       <p:nvGrpSpPr>
@@ -1132,7 +1177,9 @@
       <p:sp>
         <p:nvSpPr>
           <p:cNvPr id="30" name="Shape 30"/>
-          <p:cNvSpPr/>
+          <p:cNvSpPr>
+            <a:spLocks noGrp="1"/>
+          </p:cNvSpPr>
           <p:nvPr>
             <p:ph type="title"/>
           </p:nvPr>
@@ -1150,7 +1197,6 @@
           <a:bodyPr/>
           <a:lstStyle/>
           <a:p>
-            <a:pPr/>
             <a:r>
               <a:t>Title Text</a:t>
             </a:r>
@@ -1160,7 +1206,9 @@
       <p:sp>
         <p:nvSpPr>
           <p:cNvPr id="31" name="Shape 31"/>
-          <p:cNvSpPr/>
+          <p:cNvSpPr>
+            <a:spLocks noGrp="1"/>
+          </p:cNvSpPr>
           <p:nvPr>
             <p:ph type="sldNum" sz="quarter" idx="2"/>
           </p:nvPr>
@@ -1174,8 +1222,10 @@
           <a:bodyPr/>
           <a:lstStyle/>
           <a:p>
-            <a:pPr/>
-            <a:fld id="{86CB4B4D-7CA3-9044-876B-883B54F8677D}" type="slidenum"/>
+            <a:fld id="{86CB4B4D-7CA3-9044-876B-883B54F8677D}" type="slidenum">
+              <a:t>‹#›</a:t>
+            </a:fld>
+            <a:endParaRPr/>
           </a:p>
         </p:txBody>
       </p:sp>
@@ -1184,12 +1234,12 @@
   <p:clrMapOvr>
     <a:masterClrMapping/>
   </p:clrMapOvr>
-  <p:transition xmlns:p14="http://schemas.microsoft.com/office/powerpoint/2010/main" spd="med" advClick="1"/>
+  <p:transition spd="med"/>
 </p:sldLayout>
 </file>
 
 <file path=ppt/slideLayouts/slideLayout4.xml><?xml version="1.0" encoding="utf-8"?>
-<p:sldLayout xmlns:a="http://schemas.openxmlformats.org/drawingml/2006/main" xmlns:r="http://schemas.openxmlformats.org/officeDocument/2006/relationships" xmlns:p="http://schemas.openxmlformats.org/presentationml/2006/main" type="tx" showMasterSp="1" showMasterPhAnim="1">
+<p:sldLayout xmlns:a="http://schemas.openxmlformats.org/drawingml/2006/main" xmlns:r="http://schemas.openxmlformats.org/officeDocument/2006/relationships" xmlns:p="http://schemas.openxmlformats.org/presentationml/2006/main" type="tx">
   <p:cSld name="Photo - Vertical">
     <p:spTree>
       <p:nvGrpSpPr>
@@ -1208,7 +1258,9 @@
       <p:sp>
         <p:nvSpPr>
           <p:cNvPr id="38" name="Shape 38"/>
-          <p:cNvSpPr/>
+          <p:cNvSpPr>
+            <a:spLocks noGrp="1"/>
+          </p:cNvSpPr>
           <p:nvPr>
             <p:ph type="pic" sz="half" idx="13"/>
           </p:nvPr>
@@ -1228,14 +1280,16 @@
           </a:bodyPr>
           <a:lstStyle/>
           <a:p>
-            <a:pPr/>
+            <a:endParaRPr/>
           </a:p>
         </p:txBody>
       </p:sp>
       <p:sp>
         <p:nvSpPr>
           <p:cNvPr id="39" name="Shape 39"/>
-          <p:cNvSpPr/>
+          <p:cNvSpPr>
+            <a:spLocks noGrp="1"/>
+          </p:cNvSpPr>
           <p:nvPr>
             <p:ph type="title"/>
           </p:nvPr>
@@ -1257,7 +1311,6 @@
             </a:lvl1pPr>
           </a:lstStyle>
           <a:p>
-            <a:pPr/>
             <a:r>
               <a:t>Title Text</a:t>
             </a:r>
@@ -1267,7 +1320,9 @@
       <p:sp>
         <p:nvSpPr>
           <p:cNvPr id="40" name="Shape 40"/>
-          <p:cNvSpPr/>
+          <p:cNvSpPr>
+            <a:spLocks noGrp="1"/>
+          </p:cNvSpPr>
           <p:nvPr>
             <p:ph type="body" sz="quarter" idx="1"/>
           </p:nvPr>
@@ -1326,7 +1381,6 @@
             </a:lvl5pPr>
           </a:lstStyle>
           <a:p>
-            <a:pPr/>
             <a:r>
               <a:t>Body Level One</a:t>
             </a:r>
@@ -1360,7 +1414,9 @@
       <p:sp>
         <p:nvSpPr>
           <p:cNvPr id="41" name="Shape 41"/>
-          <p:cNvSpPr/>
+          <p:cNvSpPr>
+            <a:spLocks noGrp="1"/>
+          </p:cNvSpPr>
           <p:nvPr>
             <p:ph type="sldNum" sz="quarter" idx="2"/>
           </p:nvPr>
@@ -1374,8 +1430,10 @@
           <a:bodyPr/>
           <a:lstStyle/>
           <a:p>
-            <a:pPr/>
-            <a:fld id="{86CB4B4D-7CA3-9044-876B-883B54F8677D}" type="slidenum"/>
+            <a:fld id="{86CB4B4D-7CA3-9044-876B-883B54F8677D}" type="slidenum">
+              <a:t>‹#›</a:t>
+            </a:fld>
+            <a:endParaRPr/>
           </a:p>
         </p:txBody>
       </p:sp>
@@ -1384,12 +1442,12 @@
   <p:clrMapOvr>
     <a:masterClrMapping/>
   </p:clrMapOvr>
-  <p:transition xmlns:p14="http://schemas.microsoft.com/office/powerpoint/2010/main" spd="med" advClick="1"/>
+  <p:transition spd="med"/>
 </p:sldLayout>
 </file>
 
 <file path=ppt/slideLayouts/slideLayout5.xml><?xml version="1.0" encoding="utf-8"?>
-<p:sldLayout xmlns:a="http://schemas.openxmlformats.org/drawingml/2006/main" xmlns:r="http://schemas.openxmlformats.org/officeDocument/2006/relationships" xmlns:p="http://schemas.openxmlformats.org/presentationml/2006/main" type="tx" showMasterSp="1" showMasterPhAnim="1">
+<p:sldLayout xmlns:a="http://schemas.openxmlformats.org/drawingml/2006/main" xmlns:r="http://schemas.openxmlformats.org/officeDocument/2006/relationships" xmlns:p="http://schemas.openxmlformats.org/presentationml/2006/main" type="tx">
   <p:cSld name="Title - Top">
     <p:spTree>
       <p:nvGrpSpPr>
@@ -1408,7 +1466,9 @@
       <p:sp>
         <p:nvSpPr>
           <p:cNvPr id="48" name="Shape 48"/>
-          <p:cNvSpPr/>
+          <p:cNvSpPr>
+            <a:spLocks noGrp="1"/>
+          </p:cNvSpPr>
           <p:nvPr>
             <p:ph type="title"/>
           </p:nvPr>
@@ -1422,7 +1482,6 @@
           <a:bodyPr/>
           <a:lstStyle/>
           <a:p>
-            <a:pPr/>
             <a:r>
               <a:t>Title Text</a:t>
             </a:r>
@@ -1432,7 +1491,9 @@
       <p:sp>
         <p:nvSpPr>
           <p:cNvPr id="49" name="Shape 49"/>
-          <p:cNvSpPr/>
+          <p:cNvSpPr>
+            <a:spLocks noGrp="1"/>
+          </p:cNvSpPr>
           <p:nvPr>
             <p:ph type="sldNum" sz="quarter" idx="2"/>
           </p:nvPr>
@@ -1446,8 +1507,10 @@
           <a:bodyPr/>
           <a:lstStyle/>
           <a:p>
-            <a:pPr/>
-            <a:fld id="{86CB4B4D-7CA3-9044-876B-883B54F8677D}" type="slidenum"/>
+            <a:fld id="{86CB4B4D-7CA3-9044-876B-883B54F8677D}" type="slidenum">
+              <a:t>‹#›</a:t>
+            </a:fld>
+            <a:endParaRPr/>
           </a:p>
         </p:txBody>
       </p:sp>
@@ -1456,12 +1519,12 @@
   <p:clrMapOvr>
     <a:masterClrMapping/>
   </p:clrMapOvr>
-  <p:transition xmlns:p14="http://schemas.microsoft.com/office/powerpoint/2010/main" spd="med" advClick="1"/>
+  <p:transition spd="med"/>
 </p:sldLayout>
 </file>
 
 <file path=ppt/slideLayouts/slideLayout6.xml><?xml version="1.0" encoding="utf-8"?>
-<p:sldLayout xmlns:a="http://schemas.openxmlformats.org/drawingml/2006/main" xmlns:r="http://schemas.openxmlformats.org/officeDocument/2006/relationships" xmlns:p="http://schemas.openxmlformats.org/presentationml/2006/main" type="tx" showMasterSp="1" showMasterPhAnim="1">
+<p:sldLayout xmlns:a="http://schemas.openxmlformats.org/drawingml/2006/main" xmlns:r="http://schemas.openxmlformats.org/officeDocument/2006/relationships" xmlns:p="http://schemas.openxmlformats.org/presentationml/2006/main" type="tx">
   <p:cSld name="Title &amp; Bullets">
     <p:spTree>
       <p:nvGrpSpPr>
@@ -1480,7 +1543,9 @@
       <p:sp>
         <p:nvSpPr>
           <p:cNvPr id="56" name="Shape 56"/>
-          <p:cNvSpPr/>
+          <p:cNvSpPr>
+            <a:spLocks noGrp="1"/>
+          </p:cNvSpPr>
           <p:nvPr>
             <p:ph type="title"/>
           </p:nvPr>
@@ -1494,7 +1559,6 @@
           <a:bodyPr/>
           <a:lstStyle/>
           <a:p>
-            <a:pPr/>
             <a:r>
               <a:t>Title Text</a:t>
             </a:r>
@@ -1504,7 +1568,9 @@
       <p:sp>
         <p:nvSpPr>
           <p:cNvPr id="57" name="Shape 57"/>
-          <p:cNvSpPr/>
+          <p:cNvSpPr>
+            <a:spLocks noGrp="1"/>
+          </p:cNvSpPr>
           <p:nvPr>
             <p:ph type="body" idx="1"/>
           </p:nvPr>
@@ -1518,7 +1584,6 @@
           <a:bodyPr/>
           <a:lstStyle/>
           <a:p>
-            <a:pPr/>
             <a:r>
               <a:t>Body Level One</a:t>
             </a:r>
@@ -1552,7 +1617,9 @@
       <p:sp>
         <p:nvSpPr>
           <p:cNvPr id="58" name="Shape 58"/>
-          <p:cNvSpPr/>
+          <p:cNvSpPr>
+            <a:spLocks noGrp="1"/>
+          </p:cNvSpPr>
           <p:nvPr>
             <p:ph type="sldNum" sz="quarter" idx="2"/>
           </p:nvPr>
@@ -1566,8 +1633,10 @@
           <a:bodyPr/>
           <a:lstStyle/>
           <a:p>
-            <a:pPr/>
-            <a:fld id="{86CB4B4D-7CA3-9044-876B-883B54F8677D}" type="slidenum"/>
+            <a:fld id="{86CB4B4D-7CA3-9044-876B-883B54F8677D}" type="slidenum">
+              <a:t>‹#›</a:t>
+            </a:fld>
+            <a:endParaRPr/>
           </a:p>
         </p:txBody>
       </p:sp>
@@ -1576,12 +1645,12 @@
   <p:clrMapOvr>
     <a:masterClrMapping/>
   </p:clrMapOvr>
-  <p:transition xmlns:p14="http://schemas.microsoft.com/office/powerpoint/2010/main" spd="med" advClick="1"/>
+  <p:transition spd="med"/>
 </p:sldLayout>
 </file>
 
 <file path=ppt/slideLayouts/slideLayout7.xml><?xml version="1.0" encoding="utf-8"?>
-<p:sldLayout xmlns:a="http://schemas.openxmlformats.org/drawingml/2006/main" xmlns:r="http://schemas.openxmlformats.org/officeDocument/2006/relationships" xmlns:p="http://schemas.openxmlformats.org/presentationml/2006/main" type="tx" showMasterSp="1" showMasterPhAnim="1">
+<p:sldLayout xmlns:a="http://schemas.openxmlformats.org/drawingml/2006/main" xmlns:r="http://schemas.openxmlformats.org/officeDocument/2006/relationships" xmlns:p="http://schemas.openxmlformats.org/presentationml/2006/main" type="tx">
   <p:cSld name="Title, Bullets &amp; Photo">
     <p:spTree>
       <p:nvGrpSpPr>
@@ -1600,7 +1669,9 @@
       <p:sp>
         <p:nvSpPr>
           <p:cNvPr id="65" name="Shape 65"/>
-          <p:cNvSpPr/>
+          <p:cNvSpPr>
+            <a:spLocks noGrp="1"/>
+          </p:cNvSpPr>
           <p:nvPr>
             <p:ph type="pic" sz="half" idx="13"/>
           </p:nvPr>
@@ -1620,14 +1691,16 @@
           </a:bodyPr>
           <a:lstStyle/>
           <a:p>
-            <a:pPr/>
+            <a:endParaRPr/>
           </a:p>
         </p:txBody>
       </p:sp>
       <p:sp>
         <p:nvSpPr>
           <p:cNvPr id="66" name="Shape 66"/>
-          <p:cNvSpPr/>
+          <p:cNvSpPr>
+            <a:spLocks noGrp="1"/>
+          </p:cNvSpPr>
           <p:nvPr>
             <p:ph type="title"/>
           </p:nvPr>
@@ -1641,7 +1714,6 @@
           <a:bodyPr/>
           <a:lstStyle/>
           <a:p>
-            <a:pPr/>
             <a:r>
               <a:t>Title Text</a:t>
             </a:r>
@@ -1651,7 +1723,9 @@
       <p:sp>
         <p:nvSpPr>
           <p:cNvPr id="67" name="Shape 67"/>
-          <p:cNvSpPr/>
+          <p:cNvSpPr>
+            <a:spLocks noGrp="1"/>
+          </p:cNvSpPr>
           <p:nvPr>
             <p:ph type="body" sz="half" idx="1"/>
           </p:nvPr>
@@ -1700,7 +1774,6 @@
             </a:lvl5pPr>
           </a:lstStyle>
           <a:p>
-            <a:pPr/>
             <a:r>
               <a:t>Body Level One</a:t>
             </a:r>
@@ -1734,7 +1807,9 @@
       <p:sp>
         <p:nvSpPr>
           <p:cNvPr id="68" name="Shape 68"/>
-          <p:cNvSpPr/>
+          <p:cNvSpPr>
+            <a:spLocks noGrp="1"/>
+          </p:cNvSpPr>
           <p:nvPr>
             <p:ph type="sldNum" sz="quarter" idx="2"/>
           </p:nvPr>
@@ -1748,8 +1823,10 @@
           <a:bodyPr/>
           <a:lstStyle/>
           <a:p>
-            <a:pPr/>
-            <a:fld id="{86CB4B4D-7CA3-9044-876B-883B54F8677D}" type="slidenum"/>
+            <a:fld id="{86CB4B4D-7CA3-9044-876B-883B54F8677D}" type="slidenum">
+              <a:t>‹#›</a:t>
+            </a:fld>
+            <a:endParaRPr/>
           </a:p>
         </p:txBody>
       </p:sp>
@@ -1758,12 +1835,12 @@
   <p:clrMapOvr>
     <a:masterClrMapping/>
   </p:clrMapOvr>
-  <p:transition xmlns:p14="http://schemas.microsoft.com/office/powerpoint/2010/main" spd="med" advClick="1"/>
+  <p:transition spd="med"/>
 </p:sldLayout>
 </file>
 
 <file path=ppt/slideLayouts/slideLayout8.xml><?xml version="1.0" encoding="utf-8"?>
-<p:sldLayout xmlns:a="http://schemas.openxmlformats.org/drawingml/2006/main" xmlns:r="http://schemas.openxmlformats.org/officeDocument/2006/relationships" xmlns:p="http://schemas.openxmlformats.org/presentationml/2006/main" type="tx" showMasterSp="1" showMasterPhAnim="1">
+<p:sldLayout xmlns:a="http://schemas.openxmlformats.org/drawingml/2006/main" xmlns:r="http://schemas.openxmlformats.org/officeDocument/2006/relationships" xmlns:p="http://schemas.openxmlformats.org/presentationml/2006/main" type="tx">
   <p:cSld name="Bullets">
     <p:spTree>
       <p:nvGrpSpPr>
@@ -1782,7 +1859,9 @@
       <p:sp>
         <p:nvSpPr>
           <p:cNvPr id="75" name="Shape 75"/>
-          <p:cNvSpPr/>
+          <p:cNvSpPr>
+            <a:spLocks noGrp="1"/>
+          </p:cNvSpPr>
           <p:nvPr>
             <p:ph type="body" idx="1"/>
           </p:nvPr>
@@ -1800,7 +1879,6 @@
           <a:bodyPr/>
           <a:lstStyle/>
           <a:p>
-            <a:pPr/>
             <a:r>
               <a:t>Body Level One</a:t>
             </a:r>
@@ -1834,7 +1912,9 @@
       <p:sp>
         <p:nvSpPr>
           <p:cNvPr id="76" name="Shape 76"/>
-          <p:cNvSpPr/>
+          <p:cNvSpPr>
+            <a:spLocks noGrp="1"/>
+          </p:cNvSpPr>
           <p:nvPr>
             <p:ph type="sldNum" sz="quarter" idx="2"/>
           </p:nvPr>
@@ -1848,8 +1928,10 @@
           <a:bodyPr/>
           <a:lstStyle/>
           <a:p>
-            <a:pPr/>
-            <a:fld id="{86CB4B4D-7CA3-9044-876B-883B54F8677D}" type="slidenum"/>
+            <a:fld id="{86CB4B4D-7CA3-9044-876B-883B54F8677D}" type="slidenum">
+              <a:t>‹#›</a:t>
+            </a:fld>
+            <a:endParaRPr/>
           </a:p>
         </p:txBody>
       </p:sp>
@@ -1858,12 +1940,12 @@
   <p:clrMapOvr>
     <a:masterClrMapping/>
   </p:clrMapOvr>
-  <p:transition xmlns:p14="http://schemas.microsoft.com/office/powerpoint/2010/main" spd="med" advClick="1"/>
+  <p:transition spd="med"/>
 </p:sldLayout>
 </file>
 
 <file path=ppt/slideLayouts/slideLayout9.xml><?xml version="1.0" encoding="utf-8"?>
-<p:sldLayout xmlns:a="http://schemas.openxmlformats.org/drawingml/2006/main" xmlns:r="http://schemas.openxmlformats.org/officeDocument/2006/relationships" xmlns:p="http://schemas.openxmlformats.org/presentationml/2006/main" type="tx" showMasterSp="1" showMasterPhAnim="1">
+<p:sldLayout xmlns:a="http://schemas.openxmlformats.org/drawingml/2006/main" xmlns:r="http://schemas.openxmlformats.org/officeDocument/2006/relationships" xmlns:p="http://schemas.openxmlformats.org/presentationml/2006/main" type="tx">
   <p:cSld name="Photo - 3 Up">
     <p:spTree>
       <p:nvGrpSpPr>
@@ -1882,7 +1964,9 @@
       <p:sp>
         <p:nvSpPr>
           <p:cNvPr id="83" name="Shape 83"/>
-          <p:cNvSpPr/>
+          <p:cNvSpPr>
+            <a:spLocks noGrp="1"/>
+          </p:cNvSpPr>
           <p:nvPr>
             <p:ph type="pic" sz="quarter" idx="13"/>
           </p:nvPr>
@@ -1902,14 +1986,16 @@
           </a:bodyPr>
           <a:lstStyle/>
           <a:p>
-            <a:pPr/>
+            <a:endParaRPr/>
           </a:p>
         </p:txBody>
       </p:sp>
       <p:sp>
         <p:nvSpPr>
           <p:cNvPr id="84" name="Shape 84"/>
-          <p:cNvSpPr/>
+          <p:cNvSpPr>
+            <a:spLocks noGrp="1"/>
+          </p:cNvSpPr>
           <p:nvPr>
             <p:ph type="pic" sz="quarter" idx="14"/>
           </p:nvPr>
@@ -1929,14 +2015,16 @@
           </a:bodyPr>
           <a:lstStyle/>
           <a:p>
-            <a:pPr/>
+            <a:endParaRPr/>
           </a:p>
         </p:txBody>
       </p:sp>
       <p:sp>
         <p:nvSpPr>
           <p:cNvPr id="85" name="Shape 85"/>
-          <p:cNvSpPr/>
+          <p:cNvSpPr>
+            <a:spLocks noGrp="1"/>
+          </p:cNvSpPr>
           <p:nvPr>
             <p:ph type="pic" sz="half" idx="15"/>
           </p:nvPr>
@@ -1956,14 +2044,16 @@
           </a:bodyPr>
           <a:lstStyle/>
           <a:p>
-            <a:pPr/>
+            <a:endParaRPr/>
           </a:p>
         </p:txBody>
       </p:sp>
       <p:sp>
         <p:nvSpPr>
           <p:cNvPr id="86" name="Shape 86"/>
-          <p:cNvSpPr/>
+          <p:cNvSpPr>
+            <a:spLocks noGrp="1"/>
+          </p:cNvSpPr>
           <p:nvPr>
             <p:ph type="sldNum" sz="quarter" idx="2"/>
           </p:nvPr>
@@ -1977,8 +2067,10 @@
           <a:bodyPr/>
           <a:lstStyle/>
           <a:p>
-            <a:pPr/>
-            <a:fld id="{86CB4B4D-7CA3-9044-876B-883B54F8677D}" type="slidenum"/>
+            <a:fld id="{86CB4B4D-7CA3-9044-876B-883B54F8677D}" type="slidenum">
+              <a:t>‹#›</a:t>
+            </a:fld>
+            <a:endParaRPr/>
           </a:p>
         </p:txBody>
       </p:sp>
@@ -1987,7 +2079,7 @@
   <p:clrMapOvr>
     <a:masterClrMapping/>
   </p:clrMapOvr>
-  <p:transition xmlns:p14="http://schemas.microsoft.com/office/powerpoint/2010/main" spd="med" advClick="1"/>
+  <p:transition spd="med"/>
 </p:sldLayout>
 </file>
 
@@ -1999,6 +2091,7 @@
         <a:solidFill>
           <a:srgbClr val="FFFFFF"/>
         </a:solidFill>
+        <a:effectLst/>
       </p:bgPr>
     </p:bg>
     <p:spTree>
@@ -2018,7 +2111,9 @@
       <p:sp>
         <p:nvSpPr>
           <p:cNvPr id="2" name="Shape 2"/>
-          <p:cNvSpPr/>
+          <p:cNvSpPr>
+            <a:spLocks noGrp="1"/>
+          </p:cNvSpPr>
           <p:nvPr>
             <p:ph type="title"/>
           </p:nvPr>
@@ -2036,17 +2131,16 @@
           </a:ln>
           <a:extLst>
             <a:ext uri="{C572A759-6A51-4108-AA02-DFA0A04FC94B}">
-              <ma14:wrappingTextBoxFlag xmlns:ma14="http://schemas.microsoft.com/office/mac/drawingml/2011/main" val="1"/>
+              <ma14:wrappingTextBoxFlag xmlns="" xmlns:ma14="http://schemas.microsoft.com/office/mac/drawingml/2011/main" val="1"/>
             </a:ext>
           </a:extLst>
         </p:spPr>
         <p:txBody>
           <a:bodyPr lIns="50800" tIns="50800" rIns="50800" bIns="50800" anchor="ctr">
-            <a:normAutofit fontScale="100000" lnSpcReduction="0"/>
+            <a:normAutofit/>
           </a:bodyPr>
           <a:lstStyle/>
           <a:p>
-            <a:pPr/>
             <a:r>
               <a:t>Title Text</a:t>
             </a:r>
@@ -2056,7 +2150,9 @@
       <p:sp>
         <p:nvSpPr>
           <p:cNvPr id="3" name="Shape 3"/>
-          <p:cNvSpPr/>
+          <p:cNvSpPr>
+            <a:spLocks noGrp="1"/>
+          </p:cNvSpPr>
           <p:nvPr>
             <p:ph type="body" idx="1"/>
           </p:nvPr>
@@ -2074,17 +2170,16 @@
           </a:ln>
           <a:extLst>
             <a:ext uri="{C572A759-6A51-4108-AA02-DFA0A04FC94B}">
-              <ma14:wrappingTextBoxFlag xmlns:ma14="http://schemas.microsoft.com/office/mac/drawingml/2011/main" val="1"/>
+              <ma14:wrappingTextBoxFlag xmlns="" xmlns:ma14="http://schemas.microsoft.com/office/mac/drawingml/2011/main" val="1"/>
             </a:ext>
           </a:extLst>
         </p:spPr>
         <p:txBody>
           <a:bodyPr lIns="50800" tIns="50800" rIns="50800" bIns="50800" anchor="ctr">
-            <a:normAutofit fontScale="100000" lnSpcReduction="0"/>
+            <a:normAutofit/>
           </a:bodyPr>
           <a:lstStyle/>
           <a:p>
-            <a:pPr/>
             <a:r>
               <a:t>Body Level One</a:t>
             </a:r>
@@ -2118,7 +2213,9 @@
       <p:sp>
         <p:nvSpPr>
           <p:cNvPr id="4" name="Shape 4"/>
-          <p:cNvSpPr/>
+          <p:cNvSpPr>
+            <a:spLocks noGrp="1"/>
+          </p:cNvSpPr>
           <p:nvPr>
             <p:ph type="sldNum" sz="quarter" idx="2"/>
           </p:nvPr>
@@ -2145,8 +2242,10 @@
             </a:lvl1pPr>
           </a:lstStyle>
           <a:p>
-            <a:pPr/>
-            <a:fld id="{86CB4B4D-7CA3-9044-876B-883B54F8677D}" type="slidenum"/>
+            <a:fld id="{86CB4B4D-7CA3-9044-876B-883B54F8677D}" type="slidenum">
+              <a:t>‹#›</a:t>
+            </a:fld>
+            <a:endParaRPr/>
           </a:p>
         </p:txBody>
       </p:sp>
@@ -2154,20 +2253,20 @@
   </p:cSld>
   <p:clrMap bg1="lt1" tx1="dk1" bg2="lt2" tx2="dk2" accent1="accent1" accent2="accent2" accent3="accent3" accent4="accent4" accent5="accent5" accent6="accent6" hlink="hlink" folHlink="folHlink"/>
   <p:sldLayoutIdLst>
-    <p:sldLayoutId id="2147483649" r:id="rId2"/>
-    <p:sldLayoutId id="2147483650" r:id="rId3"/>
-    <p:sldLayoutId id="2147483651" r:id="rId4"/>
-    <p:sldLayoutId id="2147483652" r:id="rId5"/>
-    <p:sldLayoutId id="2147483653" r:id="rId6"/>
-    <p:sldLayoutId id="2147483654" r:id="rId7"/>
-    <p:sldLayoutId id="2147483655" r:id="rId8"/>
-    <p:sldLayoutId id="2147483656" r:id="rId9"/>
-    <p:sldLayoutId id="2147483657" r:id="rId10"/>
-    <p:sldLayoutId id="2147483658" r:id="rId11"/>
-    <p:sldLayoutId id="2147483659" r:id="rId12"/>
-    <p:sldLayoutId id="2147483660" r:id="rId13"/>
+    <p:sldLayoutId id="2147483649" r:id="rId1"/>
+    <p:sldLayoutId id="2147483650" r:id="rId2"/>
+    <p:sldLayoutId id="2147483651" r:id="rId3"/>
+    <p:sldLayoutId id="2147483652" r:id="rId4"/>
+    <p:sldLayoutId id="2147483653" r:id="rId5"/>
+    <p:sldLayoutId id="2147483654" r:id="rId6"/>
+    <p:sldLayoutId id="2147483655" r:id="rId7"/>
+    <p:sldLayoutId id="2147483656" r:id="rId8"/>
+    <p:sldLayoutId id="2147483657" r:id="rId9"/>
+    <p:sldLayoutId id="2147483658" r:id="rId10"/>
+    <p:sldLayoutId id="2147483659" r:id="rId11"/>
+    <p:sldLayoutId id="2147483660" r:id="rId12"/>
   </p:sldLayoutIdLst>
-  <p:transition xmlns:p14="http://schemas.microsoft.com/office/powerpoint/2010/main" spd="med" advClick="1"/>
+  <p:transition spd="med"/>
   <p:txStyles>
     <p:titleStyle>
       <a:lvl1pPr marL="0" marR="0" indent="0" algn="ctr" defTabSz="584200" rtl="0" latinLnBrk="0">
@@ -2185,7 +2284,7 @@
         <a:buFontTx/>
         <a:buNone/>
         <a:tabLst/>
-        <a:defRPr b="0" baseline="0" cap="none" i="0" spc="0" strike="noStrike" sz="8000" u="none">
+        <a:defRPr sz="8000" b="0" i="0" u="none" strike="noStrike" cap="none" spc="0" baseline="0">
           <a:ln>
             <a:noFill/>
           </a:ln>
@@ -2214,7 +2313,7 @@
         <a:buFontTx/>
         <a:buNone/>
         <a:tabLst/>
-        <a:defRPr b="0" baseline="0" cap="none" i="0" spc="0" strike="noStrike" sz="8000" u="none">
+        <a:defRPr sz="8000" b="0" i="0" u="none" strike="noStrike" cap="none" spc="0" baseline="0">
           <a:ln>
             <a:noFill/>
           </a:ln>
@@ -2243,7 +2342,7 @@
         <a:buFontTx/>
         <a:buNone/>
         <a:tabLst/>
-        <a:defRPr b="0" baseline="0" cap="none" i="0" spc="0" strike="noStrike" sz="8000" u="none">
+        <a:defRPr sz="8000" b="0" i="0" u="none" strike="noStrike" cap="none" spc="0" baseline="0">
           <a:ln>
             <a:noFill/>
           </a:ln>
@@ -2272,7 +2371,7 @@
         <a:buFontTx/>
         <a:buNone/>
         <a:tabLst/>
-        <a:defRPr b="0" baseline="0" cap="none" i="0" spc="0" strike="noStrike" sz="8000" u="none">
+        <a:defRPr sz="8000" b="0" i="0" u="none" strike="noStrike" cap="none" spc="0" baseline="0">
           <a:ln>
             <a:noFill/>
           </a:ln>
@@ -2301,7 +2400,7 @@
         <a:buFontTx/>
         <a:buNone/>
         <a:tabLst/>
-        <a:defRPr b="0" baseline="0" cap="none" i="0" spc="0" strike="noStrike" sz="8000" u="none">
+        <a:defRPr sz="8000" b="0" i="0" u="none" strike="noStrike" cap="none" spc="0" baseline="0">
           <a:ln>
             <a:noFill/>
           </a:ln>
@@ -2330,7 +2429,7 @@
         <a:buFontTx/>
         <a:buNone/>
         <a:tabLst/>
-        <a:defRPr b="0" baseline="0" cap="none" i="0" spc="0" strike="noStrike" sz="8000" u="none">
+        <a:defRPr sz="8000" b="0" i="0" u="none" strike="noStrike" cap="none" spc="0" baseline="0">
           <a:ln>
             <a:noFill/>
           </a:ln>
@@ -2359,7 +2458,7 @@
         <a:buFontTx/>
         <a:buNone/>
         <a:tabLst/>
-        <a:defRPr b="0" baseline="0" cap="none" i="0" spc="0" strike="noStrike" sz="8000" u="none">
+        <a:defRPr sz="8000" b="0" i="0" u="none" strike="noStrike" cap="none" spc="0" baseline="0">
           <a:ln>
             <a:noFill/>
           </a:ln>
@@ -2388,7 +2487,7 @@
         <a:buFontTx/>
         <a:buNone/>
         <a:tabLst/>
-        <a:defRPr b="0" baseline="0" cap="none" i="0" spc="0" strike="noStrike" sz="8000" u="none">
+        <a:defRPr sz="8000" b="0" i="0" u="none" strike="noStrike" cap="none" spc="0" baseline="0">
           <a:ln>
             <a:noFill/>
           </a:ln>
@@ -2417,7 +2516,7 @@
         <a:buFontTx/>
         <a:buNone/>
         <a:tabLst/>
-        <a:defRPr b="0" baseline="0" cap="none" i="0" spc="0" strike="noStrike" sz="8000" u="none">
+        <a:defRPr sz="8000" b="0" i="0" u="none" strike="noStrike" cap="none" spc="0" baseline="0">
           <a:ln>
             <a:noFill/>
           </a:ln>
@@ -2448,7 +2547,7 @@
         <a:buFontTx/>
         <a:buChar char="•"/>
         <a:tabLst/>
-        <a:defRPr b="0" baseline="0" cap="none" i="0" spc="0" strike="noStrike" sz="3600" u="none">
+        <a:defRPr sz="3600" b="0" i="0" u="none" strike="noStrike" cap="none" spc="0" baseline="0">
           <a:ln>
             <a:noFill/>
           </a:ln>
@@ -2477,7 +2576,7 @@
         <a:buFontTx/>
         <a:buChar char="•"/>
         <a:tabLst/>
-        <a:defRPr b="0" baseline="0" cap="none" i="0" spc="0" strike="noStrike" sz="3600" u="none">
+        <a:defRPr sz="3600" b="0" i="0" u="none" strike="noStrike" cap="none" spc="0" baseline="0">
           <a:ln>
             <a:noFill/>
           </a:ln>
@@ -2506,7 +2605,7 @@
         <a:buFontTx/>
         <a:buChar char="•"/>
         <a:tabLst/>
-        <a:defRPr b="0" baseline="0" cap="none" i="0" spc="0" strike="noStrike" sz="3600" u="none">
+        <a:defRPr sz="3600" b="0" i="0" u="none" strike="noStrike" cap="none" spc="0" baseline="0">
           <a:ln>
             <a:noFill/>
           </a:ln>
@@ -2535,7 +2634,7 @@
         <a:buFontTx/>
         <a:buChar char="•"/>
         <a:tabLst/>
-        <a:defRPr b="0" baseline="0" cap="none" i="0" spc="0" strike="noStrike" sz="3600" u="none">
+        <a:defRPr sz="3600" b="0" i="0" u="none" strike="noStrike" cap="none" spc="0" baseline="0">
           <a:ln>
             <a:noFill/>
           </a:ln>
@@ -2564,7 +2663,7 @@
         <a:buFontTx/>
         <a:buChar char="•"/>
         <a:tabLst/>
-        <a:defRPr b="0" baseline="0" cap="none" i="0" spc="0" strike="noStrike" sz="3600" u="none">
+        <a:defRPr sz="3600" b="0" i="0" u="none" strike="noStrike" cap="none" spc="0" baseline="0">
           <a:ln>
             <a:noFill/>
           </a:ln>
@@ -2593,7 +2692,7 @@
         <a:buFontTx/>
         <a:buChar char="•"/>
         <a:tabLst/>
-        <a:defRPr b="0" baseline="0" cap="none" i="0" spc="0" strike="noStrike" sz="3600" u="none">
+        <a:defRPr sz="3600" b="0" i="0" u="none" strike="noStrike" cap="none" spc="0" baseline="0">
           <a:ln>
             <a:noFill/>
           </a:ln>
@@ -2622,7 +2721,7 @@
         <a:buFontTx/>
         <a:buChar char="•"/>
         <a:tabLst/>
-        <a:defRPr b="0" baseline="0" cap="none" i="0" spc="0" strike="noStrike" sz="3600" u="none">
+        <a:defRPr sz="3600" b="0" i="0" u="none" strike="noStrike" cap="none" spc="0" baseline="0">
           <a:ln>
             <a:noFill/>
           </a:ln>
@@ -2651,7 +2750,7 @@
         <a:buFontTx/>
         <a:buChar char="•"/>
         <a:tabLst/>
-        <a:defRPr b="0" baseline="0" cap="none" i="0" spc="0" strike="noStrike" sz="3600" u="none">
+        <a:defRPr sz="3600" b="0" i="0" u="none" strike="noStrike" cap="none" spc="0" baseline="0">
           <a:ln>
             <a:noFill/>
           </a:ln>
@@ -2680,7 +2779,7 @@
         <a:buFontTx/>
         <a:buChar char="•"/>
         <a:tabLst/>
-        <a:defRPr b="0" baseline="0" cap="none" i="0" spc="0" strike="noStrike" sz="3600" u="none">
+        <a:defRPr sz="3600" b="0" i="0" u="none" strike="noStrike" cap="none" spc="0" baseline="0">
           <a:ln>
             <a:noFill/>
           </a:ln>
@@ -2711,7 +2810,7 @@
         <a:buFontTx/>
         <a:buNone/>
         <a:tabLst/>
-        <a:defRPr b="0" baseline="0" cap="none" i="0" spc="0" strike="noStrike" sz="1800" u="none">
+        <a:defRPr sz="1800" b="0" i="0" u="none" strike="noStrike" cap="none" spc="0" baseline="0">
           <a:ln>
             <a:noFill/>
           </a:ln>
@@ -2740,7 +2839,7 @@
         <a:buFontTx/>
         <a:buNone/>
         <a:tabLst/>
-        <a:defRPr b="0" baseline="0" cap="none" i="0" spc="0" strike="noStrike" sz="1800" u="none">
+        <a:defRPr sz="1800" b="0" i="0" u="none" strike="noStrike" cap="none" spc="0" baseline="0">
           <a:ln>
             <a:noFill/>
           </a:ln>
@@ -2769,7 +2868,7 @@
         <a:buFontTx/>
         <a:buNone/>
         <a:tabLst/>
-        <a:defRPr b="0" baseline="0" cap="none" i="0" spc="0" strike="noStrike" sz="1800" u="none">
+        <a:defRPr sz="1800" b="0" i="0" u="none" strike="noStrike" cap="none" spc="0" baseline="0">
           <a:ln>
             <a:noFill/>
           </a:ln>
@@ -2798,7 +2897,7 @@
         <a:buFontTx/>
         <a:buNone/>
         <a:tabLst/>
-        <a:defRPr b="0" baseline="0" cap="none" i="0" spc="0" strike="noStrike" sz="1800" u="none">
+        <a:defRPr sz="1800" b="0" i="0" u="none" strike="noStrike" cap="none" spc="0" baseline="0">
           <a:ln>
             <a:noFill/>
           </a:ln>
@@ -2827,7 +2926,7 @@
         <a:buFontTx/>
         <a:buNone/>
         <a:tabLst/>
-        <a:defRPr b="0" baseline="0" cap="none" i="0" spc="0" strike="noStrike" sz="1800" u="none">
+        <a:defRPr sz="1800" b="0" i="0" u="none" strike="noStrike" cap="none" spc="0" baseline="0">
           <a:ln>
             <a:noFill/>
           </a:ln>
@@ -2856,7 +2955,7 @@
         <a:buFontTx/>
         <a:buNone/>
         <a:tabLst/>
-        <a:defRPr b="0" baseline="0" cap="none" i="0" spc="0" strike="noStrike" sz="1800" u="none">
+        <a:defRPr sz="1800" b="0" i="0" u="none" strike="noStrike" cap="none" spc="0" baseline="0">
           <a:ln>
             <a:noFill/>
           </a:ln>
@@ -2885,7 +2984,7 @@
         <a:buFontTx/>
         <a:buNone/>
         <a:tabLst/>
-        <a:defRPr b="0" baseline="0" cap="none" i="0" spc="0" strike="noStrike" sz="1800" u="none">
+        <a:defRPr sz="1800" b="0" i="0" u="none" strike="noStrike" cap="none" spc="0" baseline="0">
           <a:ln>
             <a:noFill/>
           </a:ln>
@@ -2914,7 +3013,7 @@
         <a:buFontTx/>
         <a:buNone/>
         <a:tabLst/>
-        <a:defRPr b="0" baseline="0" cap="none" i="0" spc="0" strike="noStrike" sz="1800" u="none">
+        <a:defRPr sz="1800" b="0" i="0" u="none" strike="noStrike" cap="none" spc="0" baseline="0">
           <a:ln>
             <a:noFill/>
           </a:ln>
@@ -2943,7 +3042,7 @@
         <a:buFontTx/>
         <a:buNone/>
         <a:tabLst/>
-        <a:defRPr b="0" baseline="0" cap="none" i="0" spc="0" strike="noStrike" sz="1800" u="none">
+        <a:defRPr sz="1800" b="0" i="0" u="none" strike="noStrike" cap="none" spc="0" baseline="0">
           <a:ln>
             <a:noFill/>
           </a:ln>
@@ -2963,7 +3062,7 @@
 </file>
 
 <file path=ppt/slides/slide1.xml><?xml version="1.0" encoding="utf-8"?>
-<p:sld xmlns:a="http://schemas.openxmlformats.org/drawingml/2006/main" xmlns:r="http://schemas.openxmlformats.org/officeDocument/2006/relationships" xmlns:p="http://schemas.openxmlformats.org/presentationml/2006/main" showMasterSp="1" showMasterPhAnim="1">
+<p:sld xmlns:a="http://schemas.openxmlformats.org/drawingml/2006/main" xmlns:r="http://schemas.openxmlformats.org/officeDocument/2006/relationships" xmlns:p="http://schemas.openxmlformats.org/presentationml/2006/main">
   <p:cSld>
     <p:spTree>
       <p:nvGrpSpPr>
@@ -2982,7 +3081,9 @@
       <p:sp>
         <p:nvSpPr>
           <p:cNvPr id="119" name="Shape 119"/>
-          <p:cNvSpPr/>
+          <p:cNvSpPr>
+            <a:spLocks noGrp="1"/>
+          </p:cNvSpPr>
           <p:nvPr>
             <p:ph type="ctrTitle"/>
           </p:nvPr>
@@ -2998,7 +3099,18 @@
           <a:p>
             <a:pPr lvl="1"/>
             <a:r>
-              <a:t>Benchmark Demo</a:t>
+              <a:rPr dirty="0" smtClean="0">
+                <a:latin typeface="Times New Roman" panose="02020603050405020304" pitchFamily="18" charset="0"/>
+                <a:cs typeface="Times New Roman" panose="02020603050405020304" pitchFamily="18" charset="0"/>
+              </a:rPr>
+              <a:t>Benchmark </a:t>
+            </a:r>
+            <a:r>
+              <a:rPr dirty="0">
+                <a:latin typeface="Times New Roman" panose="02020603050405020304" pitchFamily="18" charset="0"/>
+                <a:cs typeface="Times New Roman" panose="02020603050405020304" pitchFamily="18" charset="0"/>
+              </a:rPr>
+              <a:t>Demo</a:t>
             </a:r>
           </a:p>
         </p:txBody>
@@ -3006,7 +3118,9 @@
       <p:sp>
         <p:nvSpPr>
           <p:cNvPr id="120" name="Shape 120"/>
-          <p:cNvSpPr/>
+          <p:cNvSpPr>
+            <a:spLocks noGrp="1"/>
+          </p:cNvSpPr>
           <p:nvPr>
             <p:ph type="subTitle" sz="quarter" idx="1"/>
           </p:nvPr>
@@ -3020,9 +3134,26 @@
           <a:bodyPr/>
           <a:lstStyle/>
           <a:p>
-            <a:pPr/>
-            <a:r>
-              <a:t>Wei Hong and Tengyu Sun</a:t>
+            <a:r>
+              <a:rPr dirty="0">
+                <a:latin typeface="Times New Roman" panose="02020603050405020304" pitchFamily="18" charset="0"/>
+                <a:cs typeface="Times New Roman" panose="02020603050405020304" pitchFamily="18" charset="0"/>
+              </a:rPr>
+              <a:t>Wei Hong and </a:t>
+            </a:r>
+            <a:r>
+              <a:rPr dirty="0" err="1">
+                <a:latin typeface="Times New Roman" panose="02020603050405020304" pitchFamily="18" charset="0"/>
+                <a:cs typeface="Times New Roman" panose="02020603050405020304" pitchFamily="18" charset="0"/>
+              </a:rPr>
+              <a:t>Tengyu</a:t>
+            </a:r>
+            <a:r>
+              <a:rPr dirty="0">
+                <a:latin typeface="Times New Roman" panose="02020603050405020304" pitchFamily="18" charset="0"/>
+                <a:cs typeface="Times New Roman" panose="02020603050405020304" pitchFamily="18" charset="0"/>
+              </a:rPr>
+              <a:t> Sun</a:t>
             </a:r>
           </a:p>
         </p:txBody>
@@ -3032,12 +3163,12 @@
   <p:clrMapOvr>
     <a:masterClrMapping/>
   </p:clrMapOvr>
-  <p:transition xmlns:p14="http://schemas.microsoft.com/office/powerpoint/2010/main" spd="med" advClick="1"/>
+  <p:transition spd="med"/>
 </p:sld>
 </file>
 
 <file path=ppt/slides/slide2.xml><?xml version="1.0" encoding="utf-8"?>
-<p:sld xmlns:a="http://schemas.openxmlformats.org/drawingml/2006/main" xmlns:r="http://schemas.openxmlformats.org/officeDocument/2006/relationships" xmlns:p="http://schemas.openxmlformats.org/presentationml/2006/main" showMasterSp="1" showMasterPhAnim="1">
+<p:sld xmlns:a="http://schemas.openxmlformats.org/drawingml/2006/main" xmlns:r="http://schemas.openxmlformats.org/officeDocument/2006/relationships" xmlns:p="http://schemas.openxmlformats.org/presentationml/2006/main">
   <p:cSld>
     <p:spTree>
       <p:nvGrpSpPr>
@@ -3056,7 +3187,9 @@
       <p:sp>
         <p:nvSpPr>
           <p:cNvPr id="122" name="Shape 122"/>
-          <p:cNvSpPr/>
+          <p:cNvSpPr>
+            <a:spLocks noGrp="1"/>
+          </p:cNvSpPr>
           <p:nvPr>
             <p:ph type="title"/>
           </p:nvPr>
@@ -3070,45 +3203,74 @@
           <a:bodyPr/>
           <a:lstStyle/>
           <a:p>
-            <a:pPr/>
-            <a:r>
+            <a:r>
+              <a:rPr dirty="0">
+                <a:latin typeface="Times New Roman" panose="02020603050405020304" pitchFamily="18" charset="0"/>
+                <a:cs typeface="Times New Roman" panose="02020603050405020304" pitchFamily="18" charset="0"/>
+              </a:rPr>
               <a:t>Exchange Sort</a:t>
             </a:r>
           </a:p>
         </p:txBody>
       </p:sp>
-      <p:sp>
-        <p:nvSpPr>
-          <p:cNvPr id="123" name="Shape 123"/>
-          <p:cNvSpPr/>
-          <p:nvPr>
-            <p:ph type="body" idx="1"/>
-          </p:nvPr>
-        </p:nvSpPr>
+      <p:pic>
+        <p:nvPicPr>
+          <p:cNvPr id="2" name="Picture 1"/>
+          <p:cNvPicPr>
+            <a:picLocks noChangeAspect="1"/>
+          </p:cNvPicPr>
+          <p:nvPr/>
+        </p:nvPicPr>
+        <p:blipFill rotWithShape="1">
+          <a:blip r:embed="rId2"/>
+          <a:srcRect t="14590"/>
+          <a:stretch/>
+        </p:blipFill>
         <p:spPr>
+          <a:xfrm>
+            <a:off x="2842409" y="3515297"/>
+            <a:ext cx="7319981" cy="4419492"/>
+          </a:xfrm>
           <a:prstGeom prst="rect">
             <a:avLst/>
           </a:prstGeom>
         </p:spPr>
-        <p:txBody>
-          <a:bodyPr/>
-          <a:lstStyle/>
-          <a:p>
-            <a:pPr/>
-          </a:p>
-        </p:txBody>
-      </p:sp>
+      </p:pic>
+      <p:pic>
+        <p:nvPicPr>
+          <p:cNvPr id="3" name="Picture 2"/>
+          <p:cNvPicPr>
+            <a:picLocks noChangeAspect="1"/>
+          </p:cNvPicPr>
+          <p:nvPr/>
+        </p:nvPicPr>
+        <p:blipFill>
+          <a:blip r:embed="rId3"/>
+          <a:stretch>
+            <a:fillRect/>
+          </a:stretch>
+        </p:blipFill>
+        <p:spPr>
+          <a:xfrm>
+            <a:off x="3020218" y="2837715"/>
+            <a:ext cx="7747255" cy="443367"/>
+          </a:xfrm>
+          <a:prstGeom prst="rect">
+            <a:avLst/>
+          </a:prstGeom>
+        </p:spPr>
+      </p:pic>
     </p:spTree>
   </p:cSld>
   <p:clrMapOvr>
     <a:masterClrMapping/>
   </p:clrMapOvr>
-  <p:transition xmlns:p14="http://schemas.microsoft.com/office/powerpoint/2010/main" spd="med" advClick="1" p14:dur="1000"/>
+  <p:transition spd="slow"/>
 </p:sld>
 </file>
 
 <file path=ppt/slides/slide3.xml><?xml version="1.0" encoding="utf-8"?>
-<p:sld xmlns:a="http://schemas.openxmlformats.org/drawingml/2006/main" xmlns:r="http://schemas.openxmlformats.org/officeDocument/2006/relationships" xmlns:p="http://schemas.openxmlformats.org/presentationml/2006/main" showMasterSp="1" showMasterPhAnim="1">
+<p:sld xmlns:a="http://schemas.openxmlformats.org/drawingml/2006/main" xmlns:r="http://schemas.openxmlformats.org/officeDocument/2006/relationships" xmlns:p="http://schemas.openxmlformats.org/presentationml/2006/main">
   <p:cSld>
     <p:spTree>
       <p:nvGrpSpPr>
@@ -3127,7 +3289,9 @@
       <p:sp>
         <p:nvSpPr>
           <p:cNvPr id="125" name="Shape 125"/>
-          <p:cNvSpPr/>
+          <p:cNvSpPr>
+            <a:spLocks noGrp="1"/>
+          </p:cNvSpPr>
           <p:nvPr>
             <p:ph type="title"/>
           </p:nvPr>
@@ -3141,45 +3305,81 @@
           <a:bodyPr/>
           <a:lstStyle/>
           <a:p>
-            <a:pPr/>
-            <a:r>
+            <a:r>
+              <a:rPr dirty="0">
+                <a:latin typeface="Times New Roman" panose="02020603050405020304" pitchFamily="18" charset="0"/>
+                <a:cs typeface="Times New Roman" panose="02020603050405020304" pitchFamily="18" charset="0"/>
+              </a:rPr>
               <a:t>Matrix Multiplication</a:t>
             </a:r>
           </a:p>
         </p:txBody>
       </p:sp>
-      <p:sp>
-        <p:nvSpPr>
-          <p:cNvPr id="126" name="Shape 126"/>
-          <p:cNvSpPr/>
-          <p:nvPr>
-            <p:ph type="body" idx="1"/>
-          </p:nvPr>
-        </p:nvSpPr>
+      <p:pic>
+        <p:nvPicPr>
+          <p:cNvPr id="2" name="Picture 1"/>
+          <p:cNvPicPr>
+            <a:picLocks noChangeAspect="1"/>
+          </p:cNvPicPr>
+          <p:nvPr/>
+        </p:nvPicPr>
+        <p:blipFill>
+          <a:blip r:embed="rId2"/>
+          <a:stretch>
+            <a:fillRect/>
+          </a:stretch>
+        </p:blipFill>
         <p:spPr>
+          <a:xfrm>
+            <a:off x="1370518" y="3360301"/>
+            <a:ext cx="6298604" cy="4514297"/>
+          </a:xfrm>
           <a:prstGeom prst="rect">
             <a:avLst/>
           </a:prstGeom>
         </p:spPr>
-        <p:txBody>
-          <a:bodyPr/>
-          <a:lstStyle/>
-          <a:p>
-            <a:pPr/>
-          </a:p>
-        </p:txBody>
-      </p:sp>
+      </p:pic>
+      <p:pic>
+        <p:nvPicPr>
+          <p:cNvPr id="4" name="Untitled drawing.png"/>
+          <p:cNvPicPr>
+            <a:picLocks noChangeAspect="1"/>
+          </p:cNvPicPr>
+          <p:nvPr/>
+        </p:nvPicPr>
+        <p:blipFill>
+          <a:blip r:embed="rId3">
+            <a:extLst/>
+          </a:blip>
+          <a:srcRect l="16969" t="20333" r="29728" b="55704"/>
+          <a:stretch>
+            <a:fillRect/>
+          </a:stretch>
+        </p:blipFill>
+        <p:spPr>
+          <a:xfrm>
+            <a:off x="5889213" y="2897118"/>
+            <a:ext cx="6293870" cy="2122079"/>
+          </a:xfrm>
+          <a:prstGeom prst="rect">
+            <a:avLst/>
+          </a:prstGeom>
+          <a:ln w="12700">
+            <a:miter lim="400000"/>
+          </a:ln>
+        </p:spPr>
+      </p:pic>
     </p:spTree>
   </p:cSld>
   <p:clrMapOvr>
     <a:masterClrMapping/>
   </p:clrMapOvr>
-  <p:transition xmlns:p14="http://schemas.microsoft.com/office/powerpoint/2010/main" spd="med" advClick="1" p14:dur="1000"/>
+  <p:transition spd="slow"/>
 </p:sld>
 </file>
 
 <file path=ppt/slides/slide4.xml><?xml version="1.0" encoding="utf-8"?>
-<p:sld xmlns:a="http://schemas.openxmlformats.org/drawingml/2006/main" xmlns:r="http://schemas.openxmlformats.org/officeDocument/2006/relationships" xmlns:p="http://schemas.openxmlformats.org/presentationml/2006/main" showMasterSp="1" showMasterPhAnim="1">
+<p:sld xmlns:a="http://schemas.openxmlformats.org/drawingml/2006/main" xmlns:r="http://schemas.openxmlformats.org/officeDocument/2006/relationships" xmlns:p="http://schemas.openxmlformats.org/presentationml/2006/main">
   <p:cSld>
     <p:spTree>
       <p:nvGrpSpPr>
@@ -3198,23 +3398,69 @@
       <p:sp>
         <p:nvSpPr>
           <p:cNvPr id="128" name="Shape 128"/>
-          <p:cNvSpPr/>
+          <p:cNvSpPr>
+            <a:spLocks noGrp="1"/>
+          </p:cNvSpPr>
           <p:nvPr>
             <p:ph type="title"/>
           </p:nvPr>
         </p:nvSpPr>
         <p:spPr>
+          <a:xfrm>
+            <a:off x="419548" y="444500"/>
+            <a:ext cx="11632752" cy="2159000"/>
+          </a:xfrm>
           <a:prstGeom prst="rect">
             <a:avLst/>
           </a:prstGeom>
         </p:spPr>
         <p:txBody>
-          <a:bodyPr/>
+          <a:bodyPr>
+            <a:normAutofit/>
+          </a:bodyPr>
           <a:lstStyle/>
           <a:p>
-            <a:pPr/>
-            <a:r>
-              <a:t>Matrix with SIMD</a:t>
+            <a:r>
+              <a:rPr sz="6600" dirty="0" smtClean="0">
+                <a:latin typeface="Times New Roman" panose="02020603050405020304" pitchFamily="18" charset="0"/>
+                <a:cs typeface="Times New Roman" panose="02020603050405020304" pitchFamily="18" charset="0"/>
+              </a:rPr>
+              <a:t>Matrix</a:t>
+            </a:r>
+            <a:r>
+              <a:rPr lang="en-US" sz="6600" dirty="0" smtClean="0">
+                <a:latin typeface="Times New Roman" panose="02020603050405020304" pitchFamily="18" charset="0"/>
+                <a:cs typeface="Times New Roman" panose="02020603050405020304" pitchFamily="18" charset="0"/>
+              </a:rPr>
+              <a:t> mu</a:t>
+            </a:r>
+            <a:r>
+              <a:rPr lang="en-US" altLang="zh-CN" sz="6600" dirty="0" smtClean="0">
+                <a:latin typeface="Times New Roman" panose="02020603050405020304" pitchFamily="18" charset="0"/>
+                <a:cs typeface="Times New Roman" panose="02020603050405020304" pitchFamily="18" charset="0"/>
+              </a:rPr>
+              <a:t>lti</a:t>
+            </a:r>
+            <a:r>
+              <a:rPr lang="en-US" sz="6600" dirty="0" smtClean="0">
+                <a:latin typeface="Times New Roman" panose="02020603050405020304" pitchFamily="18" charset="0"/>
+                <a:cs typeface="Times New Roman" panose="02020603050405020304" pitchFamily="18" charset="0"/>
+              </a:rPr>
+              <a:t>plication</a:t>
+            </a:r>
+            <a:r>
+              <a:rPr sz="6600" dirty="0" smtClean="0">
+                <a:latin typeface="Times New Roman" panose="02020603050405020304" pitchFamily="18" charset="0"/>
+                <a:cs typeface="Times New Roman" panose="02020603050405020304" pitchFamily="18" charset="0"/>
+              </a:rPr>
+              <a:t> </a:t>
+            </a:r>
+            <a:r>
+              <a:rPr sz="6600" dirty="0">
+                <a:latin typeface="Times New Roman" panose="02020603050405020304" pitchFamily="18" charset="0"/>
+                <a:cs typeface="Times New Roman" panose="02020603050405020304" pitchFamily="18" charset="0"/>
+              </a:rPr>
+              <a:t>with SIMD</a:t>
             </a:r>
           </a:p>
         </p:txBody>
@@ -3222,47 +3468,198 @@
       <p:sp>
         <p:nvSpPr>
           <p:cNvPr id="129" name="Shape 129"/>
-          <p:cNvSpPr/>
+          <p:cNvSpPr>
+            <a:spLocks noGrp="1"/>
+          </p:cNvSpPr>
           <p:nvPr>
             <p:ph type="body" idx="1"/>
           </p:nvPr>
         </p:nvSpPr>
         <p:spPr>
+          <a:xfrm>
+            <a:off x="686024" y="2807895"/>
+            <a:ext cx="11099800" cy="5394759"/>
+          </a:xfrm>
           <a:prstGeom prst="rect">
             <a:avLst/>
           </a:prstGeom>
         </p:spPr>
         <p:txBody>
-          <a:bodyPr anchor="t"/>
+          <a:bodyPr anchor="t">
+            <a:normAutofit/>
+          </a:bodyPr>
           <a:lstStyle/>
           <a:p>
-            <a:pPr/>
-            <a:r>
-              <a:t>res[i][j] = sum(row[i]*col[j])</a:t>
-            </a:r>
-          </a:p>
-          <a:p>
-            <a:pPr/>
-            <a:r>
-              <a:t>$v1 = [1, 2, 1, 2, 3, 4, 3, 4]</a:t>
-            </a:r>
-          </a:p>
-          <a:p>
-            <a:pPr/>
-            <a:r>
+            <a:pPr marL="0" indent="0">
+              <a:buNone/>
+            </a:pPr>
+            <a:r>
+              <a:rPr sz="3200" dirty="0">
+                <a:latin typeface="Times New Roman" panose="02020603050405020304" pitchFamily="18" charset="0"/>
+                <a:cs typeface="Times New Roman" panose="02020603050405020304" pitchFamily="18" charset="0"/>
+              </a:rPr>
+              <a:t>res[</a:t>
+            </a:r>
+            <a:r>
+              <a:rPr sz="3200" dirty="0" err="1">
+                <a:latin typeface="Times New Roman" panose="02020603050405020304" pitchFamily="18" charset="0"/>
+                <a:cs typeface="Times New Roman" panose="02020603050405020304" pitchFamily="18" charset="0"/>
+              </a:rPr>
+              <a:t>i</a:t>
+            </a:r>
+            <a:r>
+              <a:rPr sz="3200" dirty="0">
+                <a:latin typeface="Times New Roman" panose="02020603050405020304" pitchFamily="18" charset="0"/>
+                <a:cs typeface="Times New Roman" panose="02020603050405020304" pitchFamily="18" charset="0"/>
+              </a:rPr>
+              <a:t>][j] = sum(row[</a:t>
+            </a:r>
+            <a:r>
+              <a:rPr sz="3200" dirty="0" err="1">
+                <a:latin typeface="Times New Roman" panose="02020603050405020304" pitchFamily="18" charset="0"/>
+                <a:cs typeface="Times New Roman" panose="02020603050405020304" pitchFamily="18" charset="0"/>
+              </a:rPr>
+              <a:t>i</a:t>
+            </a:r>
+            <a:r>
+              <a:rPr sz="3200" dirty="0">
+                <a:latin typeface="Times New Roman" panose="02020603050405020304" pitchFamily="18" charset="0"/>
+                <a:cs typeface="Times New Roman" panose="02020603050405020304" pitchFamily="18" charset="0"/>
+              </a:rPr>
+              <a:t>]*col[j</a:t>
+            </a:r>
+            <a:r>
+              <a:rPr sz="3200" dirty="0" smtClean="0">
+                <a:latin typeface="Times New Roman" panose="02020603050405020304" pitchFamily="18" charset="0"/>
+                <a:cs typeface="Times New Roman" panose="02020603050405020304" pitchFamily="18" charset="0"/>
+              </a:rPr>
+              <a:t>])</a:t>
+            </a:r>
+            <a:endParaRPr lang="en-US" sz="3200" dirty="0">
+              <a:latin typeface="Times New Roman" panose="02020603050405020304" pitchFamily="18" charset="0"/>
+              <a:cs typeface="Times New Roman" panose="02020603050405020304" pitchFamily="18" charset="0"/>
+            </a:endParaRPr>
+          </a:p>
+          <a:p>
+            <a:pPr marL="0" indent="0">
+              <a:buNone/>
+            </a:pPr>
+            <a:r>
+              <a:rPr sz="3200" dirty="0" smtClean="0">
+                <a:latin typeface="Times New Roman" panose="02020603050405020304" pitchFamily="18" charset="0"/>
+                <a:cs typeface="Times New Roman" panose="02020603050405020304" pitchFamily="18" charset="0"/>
+              </a:rPr>
+              <a:t>$</a:t>
+            </a:r>
+            <a:r>
+              <a:rPr sz="3200" dirty="0">
+                <a:latin typeface="Times New Roman" panose="02020603050405020304" pitchFamily="18" charset="0"/>
+                <a:cs typeface="Times New Roman" panose="02020603050405020304" pitchFamily="18" charset="0"/>
+              </a:rPr>
+              <a:t>v1 = [1, 2, 1, 2, 3, 4, 3, 4]</a:t>
+            </a:r>
+          </a:p>
+          <a:p>
+            <a:pPr marL="0" indent="0">
+              <a:buNone/>
+            </a:pPr>
+            <a:r>
+              <a:rPr sz="3200" dirty="0">
+                <a:latin typeface="Times New Roman" panose="02020603050405020304" pitchFamily="18" charset="0"/>
+                <a:cs typeface="Times New Roman" panose="02020603050405020304" pitchFamily="18" charset="0"/>
+              </a:rPr>
               <a:t>$v2 = [5, 7, 6, 8, 5, 7, 6, 8]</a:t>
             </a:r>
           </a:p>
           <a:p>
-            <a:pPr/>
-            <a:r>
-              <a:t>$v3 = $v1 * $v 2 = [5, 14, 6, 16, 15, 28, 18, 32]</a:t>
-            </a:r>
-          </a:p>
-          <a:p>
-            <a:pPr/>
-            <a:r>
-              <a:t>res[i][j] = $v3[(i*2+j)*2] + $v3[(i*2+j)*2+1] </a:t>
+            <a:pPr marL="0" indent="0">
+              <a:buNone/>
+            </a:pPr>
+            <a:r>
+              <a:rPr sz="3200" dirty="0">
+                <a:latin typeface="Times New Roman" panose="02020603050405020304" pitchFamily="18" charset="0"/>
+                <a:cs typeface="Times New Roman" panose="02020603050405020304" pitchFamily="18" charset="0"/>
+              </a:rPr>
+              <a:t>$v3 = $v1 * $</a:t>
+            </a:r>
+            <a:r>
+              <a:rPr sz="3200" dirty="0" smtClean="0">
+                <a:latin typeface="Times New Roman" panose="02020603050405020304" pitchFamily="18" charset="0"/>
+                <a:cs typeface="Times New Roman" panose="02020603050405020304" pitchFamily="18" charset="0"/>
+              </a:rPr>
+              <a:t>v2 </a:t>
+            </a:r>
+            <a:r>
+              <a:rPr sz="3200" dirty="0">
+                <a:latin typeface="Times New Roman" panose="02020603050405020304" pitchFamily="18" charset="0"/>
+                <a:cs typeface="Times New Roman" panose="02020603050405020304" pitchFamily="18" charset="0"/>
+              </a:rPr>
+              <a:t>= [5, 14, 6, 16, 15, 28, 18, </a:t>
+            </a:r>
+            <a:r>
+              <a:rPr sz="3200" dirty="0" smtClean="0">
+                <a:latin typeface="Times New Roman" panose="02020603050405020304" pitchFamily="18" charset="0"/>
+                <a:cs typeface="Times New Roman" panose="02020603050405020304" pitchFamily="18" charset="0"/>
+              </a:rPr>
+              <a:t>32]</a:t>
+            </a:r>
+            <a:endParaRPr lang="en-US" sz="3200" dirty="0" smtClean="0">
+              <a:latin typeface="Times New Roman" panose="02020603050405020304" pitchFamily="18" charset="0"/>
+              <a:cs typeface="Times New Roman" panose="02020603050405020304" pitchFamily="18" charset="0"/>
+            </a:endParaRPr>
+          </a:p>
+          <a:p>
+            <a:pPr marL="0" indent="0">
+              <a:buNone/>
+            </a:pPr>
+            <a:r>
+              <a:rPr sz="3200" dirty="0" smtClean="0">
+                <a:latin typeface="Times New Roman" panose="02020603050405020304" pitchFamily="18" charset="0"/>
+                <a:cs typeface="Times New Roman" panose="02020603050405020304" pitchFamily="18" charset="0"/>
+              </a:rPr>
+              <a:t>res[</a:t>
+            </a:r>
+            <a:r>
+              <a:rPr sz="3200" dirty="0" err="1" smtClean="0">
+                <a:latin typeface="Times New Roman" panose="02020603050405020304" pitchFamily="18" charset="0"/>
+                <a:cs typeface="Times New Roman" panose="02020603050405020304" pitchFamily="18" charset="0"/>
+              </a:rPr>
+              <a:t>i</a:t>
+            </a:r>
+            <a:r>
+              <a:rPr sz="3200" dirty="0">
+                <a:latin typeface="Times New Roman" panose="02020603050405020304" pitchFamily="18" charset="0"/>
+                <a:cs typeface="Times New Roman" panose="02020603050405020304" pitchFamily="18" charset="0"/>
+              </a:rPr>
+              <a:t>][j] = $v3[(</a:t>
+            </a:r>
+            <a:r>
+              <a:rPr sz="3200" dirty="0" err="1">
+                <a:latin typeface="Times New Roman" panose="02020603050405020304" pitchFamily="18" charset="0"/>
+                <a:cs typeface="Times New Roman" panose="02020603050405020304" pitchFamily="18" charset="0"/>
+              </a:rPr>
+              <a:t>i</a:t>
+            </a:r>
+            <a:r>
+              <a:rPr sz="3200" dirty="0">
+                <a:latin typeface="Times New Roman" panose="02020603050405020304" pitchFamily="18" charset="0"/>
+                <a:cs typeface="Times New Roman" panose="02020603050405020304" pitchFamily="18" charset="0"/>
+              </a:rPr>
+              <a:t>*2+j)*2] + $v3[(</a:t>
+            </a:r>
+            <a:r>
+              <a:rPr sz="3200" dirty="0" err="1">
+                <a:latin typeface="Times New Roman" panose="02020603050405020304" pitchFamily="18" charset="0"/>
+                <a:cs typeface="Times New Roman" panose="02020603050405020304" pitchFamily="18" charset="0"/>
+              </a:rPr>
+              <a:t>i</a:t>
+            </a:r>
+            <a:r>
+              <a:rPr sz="3200" dirty="0">
+                <a:latin typeface="Times New Roman" panose="02020603050405020304" pitchFamily="18" charset="0"/>
+                <a:cs typeface="Times New Roman" panose="02020603050405020304" pitchFamily="18" charset="0"/>
+              </a:rPr>
+              <a:t>*2+j)*2+1] </a:t>
             </a:r>
           </a:p>
         </p:txBody>
@@ -3286,8 +3683,8 @@
         </p:blipFill>
         <p:spPr>
           <a:xfrm>
-            <a:off x="6829755" y="3257020"/>
-            <a:ext cx="6293870" cy="2122079"/>
+            <a:off x="5892913" y="2683285"/>
+            <a:ext cx="6530974" cy="2202023"/>
           </a:xfrm>
           <a:prstGeom prst="rect">
             <a:avLst/>
@@ -3302,12 +3699,12 @@
   <p:clrMapOvr>
     <a:masterClrMapping/>
   </p:clrMapOvr>
-  <p:transition xmlns:p14="http://schemas.microsoft.com/office/powerpoint/2010/main" spd="med" advClick="1" p14:dur="1000"/>
+  <p:transition spd="slow"/>
 </p:sld>
 </file>
 
 <file path=ppt/theme/theme1.xml><?xml version="1.0" encoding="utf-8"?>
-<a:theme xmlns:a="http://schemas.openxmlformats.org/drawingml/2006/main" xmlns:r="http://schemas.openxmlformats.org/officeDocument/2006/relationships" name="White">
+<a:theme xmlns:a="http://schemas.openxmlformats.org/drawingml/2006/main" name="White">
   <a:themeElements>
     <a:clrScheme name="White">
       <a:dk1>
@@ -3433,7 +3830,7 @@
       <a:effectStyleLst>
         <a:effectStyle>
           <a:effectLst>
-            <a:outerShdw sx="100000" sy="100000" kx="0" ky="0" algn="b" rotWithShape="0" blurRad="38100" dist="25400" dir="5400000">
+            <a:outerShdw blurRad="38100" dist="25400" dir="5400000" rotWithShape="0">
               <a:srgbClr val="000000">
                 <a:alpha val="50000"/>
               </a:srgbClr>
@@ -3442,7 +3839,7 @@
         </a:effectStyle>
         <a:effectStyle>
           <a:effectLst>
-            <a:outerShdw sx="100000" sy="100000" kx="0" ky="0" algn="b" rotWithShape="0" blurRad="50800" dist="12700" dir="0">
+            <a:outerShdw blurRad="50800" dist="12700" rotWithShape="0">
               <a:srgbClr val="000000">
                 <a:alpha val="50000"/>
               </a:srgbClr>
@@ -3451,7 +3848,7 @@
         </a:effectStyle>
         <a:effectStyle>
           <a:effectLst>
-            <a:outerShdw sx="100000" sy="100000" kx="0" ky="0" algn="b" rotWithShape="0" blurRad="38100" dist="25400" dir="5400000">
+            <a:outerShdw blurRad="38100" dist="25400" dir="5400000" rotWithShape="0">
               <a:srgbClr val="000000">
                 <a:alpha val="50000"/>
               </a:srgbClr>
@@ -3515,8 +3912,8 @@
     <a:spDef>
       <a:spPr>
         <a:blipFill rotWithShape="1">
-          <a:blip r:embed="rId1"/>
-          <a:srcRect l="0" t="0" r="0" b="0"/>
+          <a:blip xmlns:r="http://schemas.openxmlformats.org/officeDocument/2006/relationships" r:embed="rId1"/>
+          <a:srcRect/>
           <a:tile tx="0" ty="0" sx="100000" sy="100000" flip="none" algn="tl"/>
         </a:blipFill>
         <a:ln w="12700" cap="flat">
@@ -3524,7 +3921,7 @@
           <a:miter lim="400000"/>
         </a:ln>
         <a:effectLst>
-          <a:outerShdw sx="100000" sy="100000" kx="0" ky="0" algn="b" rotWithShape="0" blurRad="38100" dist="25400" dir="5400000">
+          <a:outerShdw blurRad="38100" dist="25400" dir="5400000" rotWithShape="0">
             <a:srgbClr val="000000">
               <a:alpha val="50000"/>
             </a:srgbClr>
@@ -3532,7 +3929,7 @@
         </a:effectLst>
         <a:sp3d/>
       </a:spPr>
-      <a:bodyPr rot="0" spcFirstLastPara="1" vertOverflow="overflow" horzOverflow="overflow" vert="horz" wrap="square" lIns="50800" tIns="50800" rIns="50800" bIns="50800" numCol="1" spcCol="38100" rtlCol="0" anchor="ctr" upright="0">
+      <a:bodyPr rot="0" spcFirstLastPara="1" vertOverflow="overflow" horzOverflow="overflow" vert="horz" wrap="square" lIns="50800" tIns="50800" rIns="50800" bIns="50800" numCol="1" spcCol="38100" rtlCol="0" anchor="ctr">
         <a:spAutoFit/>
       </a:bodyPr>
       <a:lstStyle>
@@ -3551,7 +3948,7 @@
           <a:buFontTx/>
           <a:buNone/>
           <a:tabLst/>
-          <a:defRPr b="0" baseline="0" cap="none" i="0" spc="0" strike="noStrike" sz="2400" u="none" kumimoji="0" normalizeH="0">
+          <a:defRPr kumimoji="0" sz="2400" b="0" i="0" u="none" strike="noStrike" cap="none" spc="0" normalizeH="0" baseline="0">
             <a:ln>
               <a:noFill/>
             </a:ln>
@@ -3581,7 +3978,7 @@
           <a:buFontTx/>
           <a:buNone/>
           <a:tabLst/>
-          <a:defRPr b="0" baseline="0" cap="none" i="0" spc="0" strike="noStrike" sz="1800" u="none" kumimoji="0" normalizeH="0">
+          <a:defRPr kumimoji="0" sz="1800" b="0" i="0" u="none" strike="noStrike" cap="none" spc="0" normalizeH="0" baseline="0">
             <a:ln>
               <a:noFill/>
             </a:ln>
@@ -3607,7 +4004,7 @@
           <a:buFontTx/>
           <a:buNone/>
           <a:tabLst/>
-          <a:defRPr b="0" baseline="0" cap="none" i="0" spc="0" strike="noStrike" sz="1800" u="none" kumimoji="0" normalizeH="0">
+          <a:defRPr kumimoji="0" sz="1800" b="0" i="0" u="none" strike="noStrike" cap="none" spc="0" normalizeH="0" baseline="0">
             <a:ln>
               <a:noFill/>
             </a:ln>
@@ -3633,7 +4030,7 @@
           <a:buFontTx/>
           <a:buNone/>
           <a:tabLst/>
-          <a:defRPr b="0" baseline="0" cap="none" i="0" spc="0" strike="noStrike" sz="1800" u="none" kumimoji="0" normalizeH="0">
+          <a:defRPr kumimoji="0" sz="1800" b="0" i="0" u="none" strike="noStrike" cap="none" spc="0" normalizeH="0" baseline="0">
             <a:ln>
               <a:noFill/>
             </a:ln>
@@ -3659,7 +4056,7 @@
           <a:buFontTx/>
           <a:buNone/>
           <a:tabLst/>
-          <a:defRPr b="0" baseline="0" cap="none" i="0" spc="0" strike="noStrike" sz="1800" u="none" kumimoji="0" normalizeH="0">
+          <a:defRPr kumimoji="0" sz="1800" b="0" i="0" u="none" strike="noStrike" cap="none" spc="0" normalizeH="0" baseline="0">
             <a:ln>
               <a:noFill/>
             </a:ln>
@@ -3685,7 +4082,7 @@
           <a:buFontTx/>
           <a:buNone/>
           <a:tabLst/>
-          <a:defRPr b="0" baseline="0" cap="none" i="0" spc="0" strike="noStrike" sz="1800" u="none" kumimoji="0" normalizeH="0">
+          <a:defRPr kumimoji="0" sz="1800" b="0" i="0" u="none" strike="noStrike" cap="none" spc="0" normalizeH="0" baseline="0">
             <a:ln>
               <a:noFill/>
             </a:ln>
@@ -3711,7 +4108,7 @@
           <a:buFontTx/>
           <a:buNone/>
           <a:tabLst/>
-          <a:defRPr b="0" baseline="0" cap="none" i="0" spc="0" strike="noStrike" sz="1800" u="none" kumimoji="0" normalizeH="0">
+          <a:defRPr kumimoji="0" sz="1800" b="0" i="0" u="none" strike="noStrike" cap="none" spc="0" normalizeH="0" baseline="0">
             <a:ln>
               <a:noFill/>
             </a:ln>
@@ -3737,7 +4134,7 @@
           <a:buFontTx/>
           <a:buNone/>
           <a:tabLst/>
-          <a:defRPr b="0" baseline="0" cap="none" i="0" spc="0" strike="noStrike" sz="1800" u="none" kumimoji="0" normalizeH="0">
+          <a:defRPr kumimoji="0" sz="1800" b="0" i="0" u="none" strike="noStrike" cap="none" spc="0" normalizeH="0" baseline="0">
             <a:ln>
               <a:noFill/>
             </a:ln>
@@ -3763,7 +4160,7 @@
           <a:buFontTx/>
           <a:buNone/>
           <a:tabLst/>
-          <a:defRPr b="0" baseline="0" cap="none" i="0" spc="0" strike="noStrike" sz="1800" u="none" kumimoji="0" normalizeH="0">
+          <a:defRPr kumimoji="0" sz="1800" b="0" i="0" u="none" strike="noStrike" cap="none" spc="0" normalizeH="0" baseline="0">
             <a:ln>
               <a:noFill/>
             </a:ln>
@@ -3789,7 +4186,7 @@
           <a:buFontTx/>
           <a:buNone/>
           <a:tabLst/>
-          <a:defRPr b="0" baseline="0" cap="none" i="0" spc="0" strike="noStrike" sz="1800" u="none" kumimoji="0" normalizeH="0">
+          <a:defRPr kumimoji="0" sz="1800" b="0" i="0" u="none" strike="noStrike" cap="none" spc="0" normalizeH="0" baseline="0">
             <a:ln>
               <a:noFill/>
             </a:ln>
@@ -3802,9 +4199,15 @@
         </a:lvl9pPr>
       </a:lstStyle>
       <a:style>
-        <a:lnRef idx="0"/>
-        <a:fillRef idx="0"/>
-        <a:effectRef idx="0"/>
+        <a:lnRef idx="0">
+          <a:scrgbClr r="0" g="0" b="0"/>
+        </a:lnRef>
+        <a:fillRef idx="0">
+          <a:scrgbClr r="0" g="0" b="0"/>
+        </a:fillRef>
+        <a:effectRef idx="0">
+          <a:scrgbClr r="0" g="0" b="0"/>
+        </a:effectRef>
         <a:fontRef idx="none"/>
       </a:style>
     </a:spDef>
@@ -3821,7 +4224,7 @@
         <a:effectLst/>
         <a:sp3d/>
       </a:spPr>
-      <a:bodyPr rot="0" spcFirstLastPara="1" vertOverflow="overflow" horzOverflow="overflow" vert="horz" wrap="square" lIns="91439" tIns="45719" rIns="91439" bIns="45719" numCol="1" spcCol="38100" rtlCol="0" anchor="t" upright="0">
+      <a:bodyPr rot="0" spcFirstLastPara="1" vertOverflow="overflow" horzOverflow="overflow" vert="horz" wrap="square" lIns="91439" tIns="45719" rIns="91439" bIns="45719" numCol="1" spcCol="38100" rtlCol="0" anchor="t">
         <a:noAutofit/>
       </a:bodyPr>
       <a:lstStyle>
@@ -3840,7 +4243,7 @@
           <a:buFontTx/>
           <a:buNone/>
           <a:tabLst/>
-          <a:defRPr b="0" baseline="0" cap="none" i="0" spc="0" strike="noStrike" sz="1800" u="none" kumimoji="0" normalizeH="0">
+          <a:defRPr kumimoji="0" sz="1800" b="0" i="0" u="none" strike="noStrike" cap="none" spc="0" normalizeH="0" baseline="0">
             <a:ln>
               <a:noFill/>
             </a:ln>
@@ -3866,7 +4269,7 @@
           <a:buFontTx/>
           <a:buNone/>
           <a:tabLst/>
-          <a:defRPr b="0" baseline="0" cap="none" i="0" spc="0" strike="noStrike" sz="1800" u="none" kumimoji="0" normalizeH="0">
+          <a:defRPr kumimoji="0" sz="1800" b="0" i="0" u="none" strike="noStrike" cap="none" spc="0" normalizeH="0" baseline="0">
             <a:ln>
               <a:noFill/>
             </a:ln>
@@ -3892,7 +4295,7 @@
           <a:buFontTx/>
           <a:buNone/>
           <a:tabLst/>
-          <a:defRPr b="0" baseline="0" cap="none" i="0" spc="0" strike="noStrike" sz="1800" u="none" kumimoji="0" normalizeH="0">
+          <a:defRPr kumimoji="0" sz="1800" b="0" i="0" u="none" strike="noStrike" cap="none" spc="0" normalizeH="0" baseline="0">
             <a:ln>
               <a:noFill/>
             </a:ln>
@@ -3918,7 +4321,7 @@
           <a:buFontTx/>
           <a:buNone/>
           <a:tabLst/>
-          <a:defRPr b="0" baseline="0" cap="none" i="0" spc="0" strike="noStrike" sz="1800" u="none" kumimoji="0" normalizeH="0">
+          <a:defRPr kumimoji="0" sz="1800" b="0" i="0" u="none" strike="noStrike" cap="none" spc="0" normalizeH="0" baseline="0">
             <a:ln>
               <a:noFill/>
             </a:ln>
@@ -3944,7 +4347,7 @@
           <a:buFontTx/>
           <a:buNone/>
           <a:tabLst/>
-          <a:defRPr b="0" baseline="0" cap="none" i="0" spc="0" strike="noStrike" sz="1800" u="none" kumimoji="0" normalizeH="0">
+          <a:defRPr kumimoji="0" sz="1800" b="0" i="0" u="none" strike="noStrike" cap="none" spc="0" normalizeH="0" baseline="0">
             <a:ln>
               <a:noFill/>
             </a:ln>
@@ -3970,7 +4373,7 @@
           <a:buFontTx/>
           <a:buNone/>
           <a:tabLst/>
-          <a:defRPr b="0" baseline="0" cap="none" i="0" spc="0" strike="noStrike" sz="1800" u="none" kumimoji="0" normalizeH="0">
+          <a:defRPr kumimoji="0" sz="1800" b="0" i="0" u="none" strike="noStrike" cap="none" spc="0" normalizeH="0" baseline="0">
             <a:ln>
               <a:noFill/>
             </a:ln>
@@ -3996,7 +4399,7 @@
           <a:buFontTx/>
           <a:buNone/>
           <a:tabLst/>
-          <a:defRPr b="0" baseline="0" cap="none" i="0" spc="0" strike="noStrike" sz="1800" u="none" kumimoji="0" normalizeH="0">
+          <a:defRPr kumimoji="0" sz="1800" b="0" i="0" u="none" strike="noStrike" cap="none" spc="0" normalizeH="0" baseline="0">
             <a:ln>
               <a:noFill/>
             </a:ln>
@@ -4022,7 +4425,7 @@
           <a:buFontTx/>
           <a:buNone/>
           <a:tabLst/>
-          <a:defRPr b="0" baseline="0" cap="none" i="0" spc="0" strike="noStrike" sz="1800" u="none" kumimoji="0" normalizeH="0">
+          <a:defRPr kumimoji="0" sz="1800" b="0" i="0" u="none" strike="noStrike" cap="none" spc="0" normalizeH="0" baseline="0">
             <a:ln>
               <a:noFill/>
             </a:ln>
@@ -4048,7 +4451,7 @@
           <a:buFontTx/>
           <a:buNone/>
           <a:tabLst/>
-          <a:defRPr b="0" baseline="0" cap="none" i="0" spc="0" strike="noStrike" sz="1800" u="none" kumimoji="0" normalizeH="0">
+          <a:defRPr kumimoji="0" sz="1800" b="0" i="0" u="none" strike="noStrike" cap="none" spc="0" normalizeH="0" baseline="0">
             <a:ln>
               <a:noFill/>
             </a:ln>
@@ -4074,7 +4477,7 @@
           <a:buFontTx/>
           <a:buNone/>
           <a:tabLst/>
-          <a:defRPr b="0" baseline="0" cap="none" i="0" spc="0" strike="noStrike" sz="1800" u="none" kumimoji="0" normalizeH="0">
+          <a:defRPr kumimoji="0" sz="1800" b="0" i="0" u="none" strike="noStrike" cap="none" spc="0" normalizeH="0" baseline="0">
             <a:ln>
               <a:noFill/>
             </a:ln>
@@ -4087,9 +4490,15 @@
         </a:lvl9pPr>
       </a:lstStyle>
       <a:style>
-        <a:lnRef idx="0"/>
-        <a:fillRef idx="0"/>
-        <a:effectRef idx="0"/>
+        <a:lnRef idx="0">
+          <a:scrgbClr r="0" g="0" b="0"/>
+        </a:lnRef>
+        <a:fillRef idx="0">
+          <a:scrgbClr r="0" g="0" b="0"/>
+        </a:fillRef>
+        <a:effectRef idx="0">
+          <a:scrgbClr r="0" g="0" b="0"/>
+        </a:effectRef>
         <a:fontRef idx="none"/>
       </a:style>
     </a:lnDef>
@@ -4103,7 +4512,7 @@
         <a:effectLst/>
         <a:sp3d/>
       </a:spPr>
-      <a:bodyPr rot="0" spcFirstLastPara="1" vertOverflow="overflow" horzOverflow="overflow" vert="horz" wrap="square" lIns="50800" tIns="50800" rIns="50800" bIns="50800" numCol="1" spcCol="38100" rtlCol="0" anchor="ctr" upright="0">
+      <a:bodyPr rot="0" spcFirstLastPara="1" vertOverflow="overflow" horzOverflow="overflow" vert="horz" wrap="square" lIns="50800" tIns="50800" rIns="50800" bIns="50800" numCol="1" spcCol="38100" rtlCol="0" anchor="ctr">
         <a:spAutoFit/>
       </a:bodyPr>
       <a:lstStyle>
@@ -4122,7 +4531,7 @@
           <a:buFontTx/>
           <a:buNone/>
           <a:tabLst/>
-          <a:defRPr b="0" baseline="0" cap="none" i="0" spc="0" strike="noStrike" sz="3600" u="none" kumimoji="0" normalizeH="0">
+          <a:defRPr kumimoji="0" sz="3600" b="0" i="0" u="none" strike="noStrike" cap="none" spc="0" normalizeH="0" baseline="0">
             <a:ln>
               <a:noFill/>
             </a:ln>
@@ -4152,7 +4561,7 @@
           <a:buFontTx/>
           <a:buNone/>
           <a:tabLst/>
-          <a:defRPr b="0" baseline="0" cap="none" i="0" spc="0" strike="noStrike" sz="1800" u="none" kumimoji="0" normalizeH="0">
+          <a:defRPr kumimoji="0" sz="1800" b="0" i="0" u="none" strike="noStrike" cap="none" spc="0" normalizeH="0" baseline="0">
             <a:ln>
               <a:noFill/>
             </a:ln>
@@ -4178,7 +4587,7 @@
           <a:buFontTx/>
           <a:buNone/>
           <a:tabLst/>
-          <a:defRPr b="0" baseline="0" cap="none" i="0" spc="0" strike="noStrike" sz="1800" u="none" kumimoji="0" normalizeH="0">
+          <a:defRPr kumimoji="0" sz="1800" b="0" i="0" u="none" strike="noStrike" cap="none" spc="0" normalizeH="0" baseline="0">
             <a:ln>
               <a:noFill/>
             </a:ln>
@@ -4204,7 +4613,7 @@
           <a:buFontTx/>
           <a:buNone/>
           <a:tabLst/>
-          <a:defRPr b="0" baseline="0" cap="none" i="0" spc="0" strike="noStrike" sz="1800" u="none" kumimoji="0" normalizeH="0">
+          <a:defRPr kumimoji="0" sz="1800" b="0" i="0" u="none" strike="noStrike" cap="none" spc="0" normalizeH="0" baseline="0">
             <a:ln>
               <a:noFill/>
             </a:ln>
@@ -4230,7 +4639,7 @@
           <a:buFontTx/>
           <a:buNone/>
           <a:tabLst/>
-          <a:defRPr b="0" baseline="0" cap="none" i="0" spc="0" strike="noStrike" sz="1800" u="none" kumimoji="0" normalizeH="0">
+          <a:defRPr kumimoji="0" sz="1800" b="0" i="0" u="none" strike="noStrike" cap="none" spc="0" normalizeH="0" baseline="0">
             <a:ln>
               <a:noFill/>
             </a:ln>
@@ -4256,7 +4665,7 @@
           <a:buFontTx/>
           <a:buNone/>
           <a:tabLst/>
-          <a:defRPr b="0" baseline="0" cap="none" i="0" spc="0" strike="noStrike" sz="1800" u="none" kumimoji="0" normalizeH="0">
+          <a:defRPr kumimoji="0" sz="1800" b="0" i="0" u="none" strike="noStrike" cap="none" spc="0" normalizeH="0" baseline="0">
             <a:ln>
               <a:noFill/>
             </a:ln>
@@ -4282,7 +4691,7 @@
           <a:buFontTx/>
           <a:buNone/>
           <a:tabLst/>
-          <a:defRPr b="0" baseline="0" cap="none" i="0" spc="0" strike="noStrike" sz="1800" u="none" kumimoji="0" normalizeH="0">
+          <a:defRPr kumimoji="0" sz="1800" b="0" i="0" u="none" strike="noStrike" cap="none" spc="0" normalizeH="0" baseline="0">
             <a:ln>
               <a:noFill/>
             </a:ln>
@@ -4308,7 +4717,7 @@
           <a:buFontTx/>
           <a:buNone/>
           <a:tabLst/>
-          <a:defRPr b="0" baseline="0" cap="none" i="0" spc="0" strike="noStrike" sz="1800" u="none" kumimoji="0" normalizeH="0">
+          <a:defRPr kumimoji="0" sz="1800" b="0" i="0" u="none" strike="noStrike" cap="none" spc="0" normalizeH="0" baseline="0">
             <a:ln>
               <a:noFill/>
             </a:ln>
@@ -4334,7 +4743,7 @@
           <a:buFontTx/>
           <a:buNone/>
           <a:tabLst/>
-          <a:defRPr b="0" baseline="0" cap="none" i="0" spc="0" strike="noStrike" sz="1800" u="none" kumimoji="0" normalizeH="0">
+          <a:defRPr kumimoji="0" sz="1800" b="0" i="0" u="none" strike="noStrike" cap="none" spc="0" normalizeH="0" baseline="0">
             <a:ln>
               <a:noFill/>
             </a:ln>
@@ -4360,7 +4769,7 @@
           <a:buFontTx/>
           <a:buNone/>
           <a:tabLst/>
-          <a:defRPr b="0" baseline="0" cap="none" i="0" spc="0" strike="noStrike" sz="1800" u="none" kumimoji="0" normalizeH="0">
+          <a:defRPr kumimoji="0" sz="1800" b="0" i="0" u="none" strike="noStrike" cap="none" spc="0" normalizeH="0" baseline="0">
             <a:ln>
               <a:noFill/>
             </a:ln>
@@ -4373,18 +4782,25 @@
         </a:lvl9pPr>
       </a:lstStyle>
       <a:style>
-        <a:lnRef idx="0"/>
-        <a:fillRef idx="0"/>
-        <a:effectRef idx="0"/>
+        <a:lnRef idx="0">
+          <a:scrgbClr r="0" g="0" b="0"/>
+        </a:lnRef>
+        <a:fillRef idx="0">
+          <a:scrgbClr r="0" g="0" b="0"/>
+        </a:fillRef>
+        <a:effectRef idx="0">
+          <a:scrgbClr r="0" g="0" b="0"/>
+        </a:effectRef>
         <a:fontRef idx="none"/>
       </a:style>
     </a:txDef>
   </a:objectDefaults>
+  <a:extraClrSchemeLst/>
 </a:theme>
 </file>
 
 <file path=ppt/theme/theme2.xml><?xml version="1.0" encoding="utf-8"?>
-<a:theme xmlns:a="http://schemas.openxmlformats.org/drawingml/2006/main" xmlns:r="http://schemas.openxmlformats.org/officeDocument/2006/relationships" name="White">
+<a:theme xmlns:a="http://schemas.openxmlformats.org/drawingml/2006/main" name="White">
   <a:themeElements>
     <a:clrScheme name="White">
       <a:dk1>
@@ -4510,7 +4926,7 @@
       <a:effectStyleLst>
         <a:effectStyle>
           <a:effectLst>
-            <a:outerShdw sx="100000" sy="100000" kx="0" ky="0" algn="b" rotWithShape="0" blurRad="38100" dist="25400" dir="5400000">
+            <a:outerShdw blurRad="38100" dist="25400" dir="5400000" rotWithShape="0">
               <a:srgbClr val="000000">
                 <a:alpha val="50000"/>
               </a:srgbClr>
@@ -4519,7 +4935,7 @@
         </a:effectStyle>
         <a:effectStyle>
           <a:effectLst>
-            <a:outerShdw sx="100000" sy="100000" kx="0" ky="0" algn="b" rotWithShape="0" blurRad="50800" dist="12700" dir="0">
+            <a:outerShdw blurRad="50800" dist="12700" rotWithShape="0">
               <a:srgbClr val="000000">
                 <a:alpha val="50000"/>
               </a:srgbClr>
@@ -4528,7 +4944,7 @@
         </a:effectStyle>
         <a:effectStyle>
           <a:effectLst>
-            <a:outerShdw sx="100000" sy="100000" kx="0" ky="0" algn="b" rotWithShape="0" blurRad="38100" dist="25400" dir="5400000">
+            <a:outerShdw blurRad="38100" dist="25400" dir="5400000" rotWithShape="0">
               <a:srgbClr val="000000">
                 <a:alpha val="50000"/>
               </a:srgbClr>
@@ -4592,8 +5008,8 @@
     <a:spDef>
       <a:spPr>
         <a:blipFill rotWithShape="1">
-          <a:blip r:embed="rId1"/>
-          <a:srcRect l="0" t="0" r="0" b="0"/>
+          <a:blip xmlns:r="http://schemas.openxmlformats.org/officeDocument/2006/relationships" r:embed="rId1"/>
+          <a:srcRect/>
           <a:tile tx="0" ty="0" sx="100000" sy="100000" flip="none" algn="tl"/>
         </a:blipFill>
         <a:ln w="12700" cap="flat">
@@ -4601,7 +5017,7 @@
           <a:miter lim="400000"/>
         </a:ln>
         <a:effectLst>
-          <a:outerShdw sx="100000" sy="100000" kx="0" ky="0" algn="b" rotWithShape="0" blurRad="38100" dist="25400" dir="5400000">
+          <a:outerShdw blurRad="38100" dist="25400" dir="5400000" rotWithShape="0">
             <a:srgbClr val="000000">
               <a:alpha val="50000"/>
             </a:srgbClr>
@@ -4609,7 +5025,7 @@
         </a:effectLst>
         <a:sp3d/>
       </a:spPr>
-      <a:bodyPr rot="0" spcFirstLastPara="1" vertOverflow="overflow" horzOverflow="overflow" vert="horz" wrap="square" lIns="50800" tIns="50800" rIns="50800" bIns="50800" numCol="1" spcCol="38100" rtlCol="0" anchor="ctr" upright="0">
+      <a:bodyPr rot="0" spcFirstLastPara="1" vertOverflow="overflow" horzOverflow="overflow" vert="horz" wrap="square" lIns="50800" tIns="50800" rIns="50800" bIns="50800" numCol="1" spcCol="38100" rtlCol="0" anchor="ctr">
         <a:spAutoFit/>
       </a:bodyPr>
       <a:lstStyle>
@@ -4628,7 +5044,7 @@
           <a:buFontTx/>
           <a:buNone/>
           <a:tabLst/>
-          <a:defRPr b="0" baseline="0" cap="none" i="0" spc="0" strike="noStrike" sz="2400" u="none" kumimoji="0" normalizeH="0">
+          <a:defRPr kumimoji="0" sz="2400" b="0" i="0" u="none" strike="noStrike" cap="none" spc="0" normalizeH="0" baseline="0">
             <a:ln>
               <a:noFill/>
             </a:ln>
@@ -4658,7 +5074,7 @@
           <a:buFontTx/>
           <a:buNone/>
           <a:tabLst/>
-          <a:defRPr b="0" baseline="0" cap="none" i="0" spc="0" strike="noStrike" sz="1800" u="none" kumimoji="0" normalizeH="0">
+          <a:defRPr kumimoji="0" sz="1800" b="0" i="0" u="none" strike="noStrike" cap="none" spc="0" normalizeH="0" baseline="0">
             <a:ln>
               <a:noFill/>
             </a:ln>
@@ -4684,7 +5100,7 @@
           <a:buFontTx/>
           <a:buNone/>
           <a:tabLst/>
-          <a:defRPr b="0" baseline="0" cap="none" i="0" spc="0" strike="noStrike" sz="1800" u="none" kumimoji="0" normalizeH="0">
+          <a:defRPr kumimoji="0" sz="1800" b="0" i="0" u="none" strike="noStrike" cap="none" spc="0" normalizeH="0" baseline="0">
             <a:ln>
               <a:noFill/>
             </a:ln>
@@ -4710,7 +5126,7 @@
           <a:buFontTx/>
           <a:buNone/>
           <a:tabLst/>
-          <a:defRPr b="0" baseline="0" cap="none" i="0" spc="0" strike="noStrike" sz="1800" u="none" kumimoji="0" normalizeH="0">
+          <a:defRPr kumimoji="0" sz="1800" b="0" i="0" u="none" strike="noStrike" cap="none" spc="0" normalizeH="0" baseline="0">
             <a:ln>
               <a:noFill/>
             </a:ln>
@@ -4736,7 +5152,7 @@
           <a:buFontTx/>
           <a:buNone/>
           <a:tabLst/>
-          <a:defRPr b="0" baseline="0" cap="none" i="0" spc="0" strike="noStrike" sz="1800" u="none" kumimoji="0" normalizeH="0">
+          <a:defRPr kumimoji="0" sz="1800" b="0" i="0" u="none" strike="noStrike" cap="none" spc="0" normalizeH="0" baseline="0">
             <a:ln>
               <a:noFill/>
             </a:ln>
@@ -4762,7 +5178,7 @@
           <a:buFontTx/>
           <a:buNone/>
           <a:tabLst/>
-          <a:defRPr b="0" baseline="0" cap="none" i="0" spc="0" strike="noStrike" sz="1800" u="none" kumimoji="0" normalizeH="0">
+          <a:defRPr kumimoji="0" sz="1800" b="0" i="0" u="none" strike="noStrike" cap="none" spc="0" normalizeH="0" baseline="0">
             <a:ln>
               <a:noFill/>
             </a:ln>
@@ -4788,7 +5204,7 @@
           <a:buFontTx/>
           <a:buNone/>
           <a:tabLst/>
-          <a:defRPr b="0" baseline="0" cap="none" i="0" spc="0" strike="noStrike" sz="1800" u="none" kumimoji="0" normalizeH="0">
+          <a:defRPr kumimoji="0" sz="1800" b="0" i="0" u="none" strike="noStrike" cap="none" spc="0" normalizeH="0" baseline="0">
             <a:ln>
               <a:noFill/>
             </a:ln>
@@ -4814,7 +5230,7 @@
           <a:buFontTx/>
           <a:buNone/>
           <a:tabLst/>
-          <a:defRPr b="0" baseline="0" cap="none" i="0" spc="0" strike="noStrike" sz="1800" u="none" kumimoji="0" normalizeH="0">
+          <a:defRPr kumimoji="0" sz="1800" b="0" i="0" u="none" strike="noStrike" cap="none" spc="0" normalizeH="0" baseline="0">
             <a:ln>
               <a:noFill/>
             </a:ln>
@@ -4840,7 +5256,7 @@
           <a:buFontTx/>
           <a:buNone/>
           <a:tabLst/>
-          <a:defRPr b="0" baseline="0" cap="none" i="0" spc="0" strike="noStrike" sz="1800" u="none" kumimoji="0" normalizeH="0">
+          <a:defRPr kumimoji="0" sz="1800" b="0" i="0" u="none" strike="noStrike" cap="none" spc="0" normalizeH="0" baseline="0">
             <a:ln>
               <a:noFill/>
             </a:ln>
@@ -4866,7 +5282,7 @@
           <a:buFontTx/>
           <a:buNone/>
           <a:tabLst/>
-          <a:defRPr b="0" baseline="0" cap="none" i="0" spc="0" strike="noStrike" sz="1800" u="none" kumimoji="0" normalizeH="0">
+          <a:defRPr kumimoji="0" sz="1800" b="0" i="0" u="none" strike="noStrike" cap="none" spc="0" normalizeH="0" baseline="0">
             <a:ln>
               <a:noFill/>
             </a:ln>
@@ -4879,9 +5295,15 @@
         </a:lvl9pPr>
       </a:lstStyle>
       <a:style>
-        <a:lnRef idx="0"/>
-        <a:fillRef idx="0"/>
-        <a:effectRef idx="0"/>
+        <a:lnRef idx="0">
+          <a:scrgbClr r="0" g="0" b="0"/>
+        </a:lnRef>
+        <a:fillRef idx="0">
+          <a:scrgbClr r="0" g="0" b="0"/>
+        </a:fillRef>
+        <a:effectRef idx="0">
+          <a:scrgbClr r="0" g="0" b="0"/>
+        </a:effectRef>
         <a:fontRef idx="none"/>
       </a:style>
     </a:spDef>
@@ -4898,7 +5320,7 @@
         <a:effectLst/>
         <a:sp3d/>
       </a:spPr>
-      <a:bodyPr rot="0" spcFirstLastPara="1" vertOverflow="overflow" horzOverflow="overflow" vert="horz" wrap="square" lIns="91439" tIns="45719" rIns="91439" bIns="45719" numCol="1" spcCol="38100" rtlCol="0" anchor="t" upright="0">
+      <a:bodyPr rot="0" spcFirstLastPara="1" vertOverflow="overflow" horzOverflow="overflow" vert="horz" wrap="square" lIns="91439" tIns="45719" rIns="91439" bIns="45719" numCol="1" spcCol="38100" rtlCol="0" anchor="t">
         <a:noAutofit/>
       </a:bodyPr>
       <a:lstStyle>
@@ -4917,7 +5339,7 @@
           <a:buFontTx/>
           <a:buNone/>
           <a:tabLst/>
-          <a:defRPr b="0" baseline="0" cap="none" i="0" spc="0" strike="noStrike" sz="1800" u="none" kumimoji="0" normalizeH="0">
+          <a:defRPr kumimoji="0" sz="1800" b="0" i="0" u="none" strike="noStrike" cap="none" spc="0" normalizeH="0" baseline="0">
             <a:ln>
               <a:noFill/>
             </a:ln>
@@ -4943,7 +5365,7 @@
           <a:buFontTx/>
           <a:buNone/>
           <a:tabLst/>
-          <a:defRPr b="0" baseline="0" cap="none" i="0" spc="0" strike="noStrike" sz="1800" u="none" kumimoji="0" normalizeH="0">
+          <a:defRPr kumimoji="0" sz="1800" b="0" i="0" u="none" strike="noStrike" cap="none" spc="0" normalizeH="0" baseline="0">
             <a:ln>
               <a:noFill/>
             </a:ln>
@@ -4969,7 +5391,7 @@
           <a:buFontTx/>
           <a:buNone/>
           <a:tabLst/>
-          <a:defRPr b="0" baseline="0" cap="none" i="0" spc="0" strike="noStrike" sz="1800" u="none" kumimoji="0" normalizeH="0">
+          <a:defRPr kumimoji="0" sz="1800" b="0" i="0" u="none" strike="noStrike" cap="none" spc="0" normalizeH="0" baseline="0">
             <a:ln>
               <a:noFill/>
             </a:ln>
@@ -4995,7 +5417,7 @@
           <a:buFontTx/>
           <a:buNone/>
           <a:tabLst/>
-          <a:defRPr b="0" baseline="0" cap="none" i="0" spc="0" strike="noStrike" sz="1800" u="none" kumimoji="0" normalizeH="0">
+          <a:defRPr kumimoji="0" sz="1800" b="0" i="0" u="none" strike="noStrike" cap="none" spc="0" normalizeH="0" baseline="0">
             <a:ln>
               <a:noFill/>
             </a:ln>
@@ -5021,7 +5443,7 @@
           <a:buFontTx/>
           <a:buNone/>
           <a:tabLst/>
-          <a:defRPr b="0" baseline="0" cap="none" i="0" spc="0" strike="noStrike" sz="1800" u="none" kumimoji="0" normalizeH="0">
+          <a:defRPr kumimoji="0" sz="1800" b="0" i="0" u="none" strike="noStrike" cap="none" spc="0" normalizeH="0" baseline="0">
             <a:ln>
               <a:noFill/>
             </a:ln>
@@ -5047,7 +5469,7 @@
           <a:buFontTx/>
           <a:buNone/>
           <a:tabLst/>
-          <a:defRPr b="0" baseline="0" cap="none" i="0" spc="0" strike="noStrike" sz="1800" u="none" kumimoji="0" normalizeH="0">
+          <a:defRPr kumimoji="0" sz="1800" b="0" i="0" u="none" strike="noStrike" cap="none" spc="0" normalizeH="0" baseline="0">
             <a:ln>
               <a:noFill/>
             </a:ln>
@@ -5073,7 +5495,7 @@
           <a:buFontTx/>
           <a:buNone/>
           <a:tabLst/>
-          <a:defRPr b="0" baseline="0" cap="none" i="0" spc="0" strike="noStrike" sz="1800" u="none" kumimoji="0" normalizeH="0">
+          <a:defRPr kumimoji="0" sz="1800" b="0" i="0" u="none" strike="noStrike" cap="none" spc="0" normalizeH="0" baseline="0">
             <a:ln>
               <a:noFill/>
             </a:ln>
@@ -5099,7 +5521,7 @@
           <a:buFontTx/>
           <a:buNone/>
           <a:tabLst/>
-          <a:defRPr b="0" baseline="0" cap="none" i="0" spc="0" strike="noStrike" sz="1800" u="none" kumimoji="0" normalizeH="0">
+          <a:defRPr kumimoji="0" sz="1800" b="0" i="0" u="none" strike="noStrike" cap="none" spc="0" normalizeH="0" baseline="0">
             <a:ln>
               <a:noFill/>
             </a:ln>
@@ -5125,7 +5547,7 @@
           <a:buFontTx/>
           <a:buNone/>
           <a:tabLst/>
-          <a:defRPr b="0" baseline="0" cap="none" i="0" spc="0" strike="noStrike" sz="1800" u="none" kumimoji="0" normalizeH="0">
+          <a:defRPr kumimoji="0" sz="1800" b="0" i="0" u="none" strike="noStrike" cap="none" spc="0" normalizeH="0" baseline="0">
             <a:ln>
               <a:noFill/>
             </a:ln>
@@ -5151,7 +5573,7 @@
           <a:buFontTx/>
           <a:buNone/>
           <a:tabLst/>
-          <a:defRPr b="0" baseline="0" cap="none" i="0" spc="0" strike="noStrike" sz="1800" u="none" kumimoji="0" normalizeH="0">
+          <a:defRPr kumimoji="0" sz="1800" b="0" i="0" u="none" strike="noStrike" cap="none" spc="0" normalizeH="0" baseline="0">
             <a:ln>
               <a:noFill/>
             </a:ln>
@@ -5164,9 +5586,15 @@
         </a:lvl9pPr>
       </a:lstStyle>
       <a:style>
-        <a:lnRef idx="0"/>
-        <a:fillRef idx="0"/>
-        <a:effectRef idx="0"/>
+        <a:lnRef idx="0">
+          <a:scrgbClr r="0" g="0" b="0"/>
+        </a:lnRef>
+        <a:fillRef idx="0">
+          <a:scrgbClr r="0" g="0" b="0"/>
+        </a:fillRef>
+        <a:effectRef idx="0">
+          <a:scrgbClr r="0" g="0" b="0"/>
+        </a:effectRef>
         <a:fontRef idx="none"/>
       </a:style>
     </a:lnDef>
@@ -5180,7 +5608,7 @@
         <a:effectLst/>
         <a:sp3d/>
       </a:spPr>
-      <a:bodyPr rot="0" spcFirstLastPara="1" vertOverflow="overflow" horzOverflow="overflow" vert="horz" wrap="square" lIns="50800" tIns="50800" rIns="50800" bIns="50800" numCol="1" spcCol="38100" rtlCol="0" anchor="ctr" upright="0">
+      <a:bodyPr rot="0" spcFirstLastPara="1" vertOverflow="overflow" horzOverflow="overflow" vert="horz" wrap="square" lIns="50800" tIns="50800" rIns="50800" bIns="50800" numCol="1" spcCol="38100" rtlCol="0" anchor="ctr">
         <a:spAutoFit/>
       </a:bodyPr>
       <a:lstStyle>
@@ -5199,7 +5627,7 @@
           <a:buFontTx/>
           <a:buNone/>
           <a:tabLst/>
-          <a:defRPr b="0" baseline="0" cap="none" i="0" spc="0" strike="noStrike" sz="3600" u="none" kumimoji="0" normalizeH="0">
+          <a:defRPr kumimoji="0" sz="3600" b="0" i="0" u="none" strike="noStrike" cap="none" spc="0" normalizeH="0" baseline="0">
             <a:ln>
               <a:noFill/>
             </a:ln>
@@ -5229,7 +5657,7 @@
           <a:buFontTx/>
           <a:buNone/>
           <a:tabLst/>
-          <a:defRPr b="0" baseline="0" cap="none" i="0" spc="0" strike="noStrike" sz="1800" u="none" kumimoji="0" normalizeH="0">
+          <a:defRPr kumimoji="0" sz="1800" b="0" i="0" u="none" strike="noStrike" cap="none" spc="0" normalizeH="0" baseline="0">
             <a:ln>
               <a:noFill/>
             </a:ln>
@@ -5255,7 +5683,7 @@
           <a:buFontTx/>
           <a:buNone/>
           <a:tabLst/>
-          <a:defRPr b="0" baseline="0" cap="none" i="0" spc="0" strike="noStrike" sz="1800" u="none" kumimoji="0" normalizeH="0">
+          <a:defRPr kumimoji="0" sz="1800" b="0" i="0" u="none" strike="noStrike" cap="none" spc="0" normalizeH="0" baseline="0">
             <a:ln>
               <a:noFill/>
             </a:ln>
@@ -5281,7 +5709,7 @@
           <a:buFontTx/>
           <a:buNone/>
           <a:tabLst/>
-          <a:defRPr b="0" baseline="0" cap="none" i="0" spc="0" strike="noStrike" sz="1800" u="none" kumimoji="0" normalizeH="0">
+          <a:defRPr kumimoji="0" sz="1800" b="0" i="0" u="none" strike="noStrike" cap="none" spc="0" normalizeH="0" baseline="0">
             <a:ln>
               <a:noFill/>
             </a:ln>
@@ -5307,7 +5735,7 @@
           <a:buFontTx/>
           <a:buNone/>
           <a:tabLst/>
-          <a:defRPr b="0" baseline="0" cap="none" i="0" spc="0" strike="noStrike" sz="1800" u="none" kumimoji="0" normalizeH="0">
+          <a:defRPr kumimoji="0" sz="1800" b="0" i="0" u="none" strike="noStrike" cap="none" spc="0" normalizeH="0" baseline="0">
             <a:ln>
               <a:noFill/>
             </a:ln>
@@ -5333,7 +5761,7 @@
           <a:buFontTx/>
           <a:buNone/>
           <a:tabLst/>
-          <a:defRPr b="0" baseline="0" cap="none" i="0" spc="0" strike="noStrike" sz="1800" u="none" kumimoji="0" normalizeH="0">
+          <a:defRPr kumimoji="0" sz="1800" b="0" i="0" u="none" strike="noStrike" cap="none" spc="0" normalizeH="0" baseline="0">
             <a:ln>
               <a:noFill/>
             </a:ln>
@@ -5359,7 +5787,7 @@
           <a:buFontTx/>
           <a:buNone/>
           <a:tabLst/>
-          <a:defRPr b="0" baseline="0" cap="none" i="0" spc="0" strike="noStrike" sz="1800" u="none" kumimoji="0" normalizeH="0">
+          <a:defRPr kumimoji="0" sz="1800" b="0" i="0" u="none" strike="noStrike" cap="none" spc="0" normalizeH="0" baseline="0">
             <a:ln>
               <a:noFill/>
             </a:ln>
@@ -5385,7 +5813,7 @@
           <a:buFontTx/>
           <a:buNone/>
           <a:tabLst/>
-          <a:defRPr b="0" baseline="0" cap="none" i="0" spc="0" strike="noStrike" sz="1800" u="none" kumimoji="0" normalizeH="0">
+          <a:defRPr kumimoji="0" sz="1800" b="0" i="0" u="none" strike="noStrike" cap="none" spc="0" normalizeH="0" baseline="0">
             <a:ln>
               <a:noFill/>
             </a:ln>
@@ -5411,7 +5839,7 @@
           <a:buFontTx/>
           <a:buNone/>
           <a:tabLst/>
-          <a:defRPr b="0" baseline="0" cap="none" i="0" spc="0" strike="noStrike" sz="1800" u="none" kumimoji="0" normalizeH="0">
+          <a:defRPr kumimoji="0" sz="1800" b="0" i="0" u="none" strike="noStrike" cap="none" spc="0" normalizeH="0" baseline="0">
             <a:ln>
               <a:noFill/>
             </a:ln>
@@ -5437,7 +5865,7 @@
           <a:buFontTx/>
           <a:buNone/>
           <a:tabLst/>
-          <a:defRPr b="0" baseline="0" cap="none" i="0" spc="0" strike="noStrike" sz="1800" u="none" kumimoji="0" normalizeH="0">
+          <a:defRPr kumimoji="0" sz="1800" b="0" i="0" u="none" strike="noStrike" cap="none" spc="0" normalizeH="0" baseline="0">
             <a:ln>
               <a:noFill/>
             </a:ln>
@@ -5450,12 +5878,19 @@
         </a:lvl9pPr>
       </a:lstStyle>
       <a:style>
-        <a:lnRef idx="0"/>
-        <a:fillRef idx="0"/>
-        <a:effectRef idx="0"/>
+        <a:lnRef idx="0">
+          <a:scrgbClr r="0" g="0" b="0"/>
+        </a:lnRef>
+        <a:fillRef idx="0">
+          <a:scrgbClr r="0" g="0" b="0"/>
+        </a:fillRef>
+        <a:effectRef idx="0">
+          <a:scrgbClr r="0" g="0" b="0"/>
+        </a:effectRef>
         <a:fontRef idx="none"/>
       </a:style>
     </a:txDef>
   </a:objectDefaults>
+  <a:extraClrSchemeLst/>
 </a:theme>
 </file>